--- a/04_Linked_list/Nasko/04_Linked_list.pptx
+++ b/04_Linked_list/Nasko/04_Linked_list.pptx
@@ -9,6 +9,7 @@
     <p:sldId id="257" r:id="rId3"/>
     <p:sldId id="258" r:id="rId4"/>
     <p:sldId id="259" r:id="rId5"/>
+    <p:sldId id="261" r:id="rId6"/>
   </p:sldIdLst>
   <p:sldSz cx="12192000" cy="6858000"/>
   <p:notesSz cx="6858000" cy="9144000"/>
@@ -107,6 +108,11 @@
       </a:defRPr>
     </a:lvl9pPr>
   </p:defaultTextStyle>
+  <p:extLst>
+    <p:ext uri="{EFAFB233-063F-42B5-8137-9DF3F51BA10A}">
+      <p15:sldGuideLst xmlns:p15="http://schemas.microsoft.com/office/powerpoint/2012/main"/>
+    </p:ext>
+  </p:extLst>
 </p:presentation>
 </file>
 
@@ -160,7 +166,7 @@
           <a:noFill/>
           <a:extLst>
             <a:ext uri="{909E8E84-426E-40dd-AFC4-6F175D3DCCD1}">
-              <a14:hiddenFill xmlns:a14="http://schemas.microsoft.com/office/drawing/2010/main" xmlns="">
+              <a14:hiddenFill xmlns="" xmlns:a14="http://schemas.microsoft.com/office/drawing/2010/main">
                 <a:solidFill>
                   <a:srgbClr val="FFFFFF"/>
                 </a:solidFill>
@@ -220,7 +226,7 @@
             </a:ln>
             <a:extLst>
               <a:ext uri="{91240B29-F687-4f45-9708-019B960494DF}">
-                <a14:hiddenLine xmlns:a14="http://schemas.microsoft.com/office/drawing/2010/main" xmlns="" w="9525">
+                <a14:hiddenLine xmlns="" xmlns:a14="http://schemas.microsoft.com/office/drawing/2010/main" w="9525">
                   <a:solidFill>
                     <a:srgbClr val="000000"/>
                   </a:solidFill>
@@ -310,7 +316,7 @@
             </a:ln>
             <a:extLst>
               <a:ext uri="{91240B29-F687-4f45-9708-019B960494DF}">
-                <a14:hiddenLine xmlns:a14="http://schemas.microsoft.com/office/drawing/2010/main" xmlns="" w="9525">
+                <a14:hiddenLine xmlns="" xmlns:a14="http://schemas.microsoft.com/office/drawing/2010/main" w="9525">
                   <a:solidFill>
                     <a:srgbClr val="000000"/>
                   </a:solidFill>
@@ -400,7 +406,7 @@
             </a:ln>
             <a:extLst>
               <a:ext uri="{91240B29-F687-4f45-9708-019B960494DF}">
-                <a14:hiddenLine xmlns:a14="http://schemas.microsoft.com/office/drawing/2010/main" xmlns="" w="9525">
+                <a14:hiddenLine xmlns="" xmlns:a14="http://schemas.microsoft.com/office/drawing/2010/main" w="9525">
                   <a:solidFill>
                     <a:srgbClr val="000000"/>
                   </a:solidFill>
@@ -434,7 +440,7 @@
             </a:ln>
             <a:extLst>
               <a:ext uri="{91240B29-F687-4f45-9708-019B960494DF}">
-                <a14:hiddenLine xmlns:a14="http://schemas.microsoft.com/office/drawing/2010/main" xmlns="" w="9525">
+                <a14:hiddenLine xmlns="" xmlns:a14="http://schemas.microsoft.com/office/drawing/2010/main" w="9525">
                   <a:solidFill>
                     <a:srgbClr val="000000"/>
                   </a:solidFill>
@@ -524,7 +530,7 @@
             </a:ln>
             <a:extLst>
               <a:ext uri="{91240B29-F687-4f45-9708-019B960494DF}">
-                <a14:hiddenLine xmlns:a14="http://schemas.microsoft.com/office/drawing/2010/main" xmlns="" w="9525">
+                <a14:hiddenLine xmlns="" xmlns:a14="http://schemas.microsoft.com/office/drawing/2010/main" w="9525">
                   <a:solidFill>
                     <a:srgbClr val="000000"/>
                   </a:solidFill>
@@ -586,7 +592,7 @@
             </a:ln>
             <a:extLst>
               <a:ext uri="{91240B29-F687-4f45-9708-019B960494DF}">
-                <a14:hiddenLine xmlns:a14="http://schemas.microsoft.com/office/drawing/2010/main" xmlns="" w="9525">
+                <a14:hiddenLine xmlns="" xmlns:a14="http://schemas.microsoft.com/office/drawing/2010/main" w="9525">
                   <a:solidFill>
                     <a:srgbClr val="000000"/>
                   </a:solidFill>
@@ -648,7 +654,7 @@
             </a:ln>
             <a:extLst>
               <a:ext uri="{91240B29-F687-4f45-9708-019B960494DF}">
-                <a14:hiddenLine xmlns:a14="http://schemas.microsoft.com/office/drawing/2010/main" xmlns="" w="9525">
+                <a14:hiddenLine xmlns="" xmlns:a14="http://schemas.microsoft.com/office/drawing/2010/main" w="9525">
                   <a:solidFill>
                     <a:srgbClr val="000000"/>
                   </a:solidFill>
@@ -738,7 +744,7 @@
             </a:ln>
             <a:extLst>
               <a:ext uri="{91240B29-F687-4f45-9708-019B960494DF}">
-                <a14:hiddenLine xmlns:a14="http://schemas.microsoft.com/office/drawing/2010/main" xmlns="" w="9525">
+                <a14:hiddenLine xmlns="" xmlns:a14="http://schemas.microsoft.com/office/drawing/2010/main" w="9525">
                   <a:solidFill>
                     <a:srgbClr val="000000"/>
                   </a:solidFill>
@@ -800,7 +806,7 @@
             </a:ln>
             <a:extLst>
               <a:ext uri="{91240B29-F687-4f45-9708-019B960494DF}">
-                <a14:hiddenLine xmlns:a14="http://schemas.microsoft.com/office/drawing/2010/main" xmlns="" w="9525">
+                <a14:hiddenLine xmlns="" xmlns:a14="http://schemas.microsoft.com/office/drawing/2010/main" w="9525">
                   <a:solidFill>
                     <a:srgbClr val="000000"/>
                   </a:solidFill>
@@ -862,7 +868,7 @@
             </a:ln>
             <a:extLst>
               <a:ext uri="{91240B29-F687-4f45-9708-019B960494DF}">
-                <a14:hiddenLine xmlns:a14="http://schemas.microsoft.com/office/drawing/2010/main" xmlns="" w="9525">
+                <a14:hiddenLine xmlns="" xmlns:a14="http://schemas.microsoft.com/office/drawing/2010/main" w="9525">
                   <a:solidFill>
                     <a:srgbClr val="000000"/>
                   </a:solidFill>
@@ -952,7 +958,7 @@
             </a:ln>
             <a:extLst>
               <a:ext uri="{91240B29-F687-4f45-9708-019B960494DF}">
-                <a14:hiddenLine xmlns:a14="http://schemas.microsoft.com/office/drawing/2010/main" xmlns="" w="9525">
+                <a14:hiddenLine xmlns="" xmlns:a14="http://schemas.microsoft.com/office/drawing/2010/main" w="9525">
                   <a:solidFill>
                     <a:srgbClr val="000000"/>
                   </a:solidFill>
@@ -1042,7 +1048,7 @@
             </a:ln>
             <a:extLst>
               <a:ext uri="{91240B29-F687-4f45-9708-019B960494DF}">
-                <a14:hiddenLine xmlns:a14="http://schemas.microsoft.com/office/drawing/2010/main" xmlns="" w="9525">
+                <a14:hiddenLine xmlns="" xmlns:a14="http://schemas.microsoft.com/office/drawing/2010/main" w="9525">
                   <a:solidFill>
                     <a:srgbClr val="000000"/>
                   </a:solidFill>
@@ -1104,7 +1110,7 @@
             </a:ln>
             <a:extLst>
               <a:ext uri="{91240B29-F687-4f45-9708-019B960494DF}">
-                <a14:hiddenLine xmlns:a14="http://schemas.microsoft.com/office/drawing/2010/main" xmlns="" w="9525">
+                <a14:hiddenLine xmlns="" xmlns:a14="http://schemas.microsoft.com/office/drawing/2010/main" w="9525">
                   <a:solidFill>
                     <a:srgbClr val="000000"/>
                   </a:solidFill>
@@ -1214,7 +1220,7 @@
             </a:ln>
             <a:extLst>
               <a:ext uri="{91240B29-F687-4f45-9708-019B960494DF}">
-                <a14:hiddenLine xmlns:a14="http://schemas.microsoft.com/office/drawing/2010/main" xmlns="" w="9525">
+                <a14:hiddenLine xmlns="" xmlns:a14="http://schemas.microsoft.com/office/drawing/2010/main" w="9525">
                   <a:solidFill>
                     <a:srgbClr val="000000"/>
                   </a:solidFill>
@@ -1276,7 +1282,7 @@
             </a:ln>
             <a:extLst>
               <a:ext uri="{91240B29-F687-4f45-9708-019B960494DF}">
-                <a14:hiddenLine xmlns:a14="http://schemas.microsoft.com/office/drawing/2010/main" xmlns="" w="9525">
+                <a14:hiddenLine xmlns="" xmlns:a14="http://schemas.microsoft.com/office/drawing/2010/main" w="9525">
                   <a:solidFill>
                     <a:srgbClr val="000000"/>
                   </a:solidFill>
@@ -1366,7 +1372,7 @@
             </a:ln>
             <a:extLst>
               <a:ext uri="{91240B29-F687-4f45-9708-019B960494DF}">
-                <a14:hiddenLine xmlns:a14="http://schemas.microsoft.com/office/drawing/2010/main" xmlns="" w="9525">
+                <a14:hiddenLine xmlns="" xmlns:a14="http://schemas.microsoft.com/office/drawing/2010/main" w="9525">
                   <a:solidFill>
                     <a:srgbClr val="000000"/>
                   </a:solidFill>
@@ -1456,7 +1462,7 @@
             </a:ln>
             <a:extLst>
               <a:ext uri="{91240B29-F687-4f45-9708-019B960494DF}">
-                <a14:hiddenLine xmlns:a14="http://schemas.microsoft.com/office/drawing/2010/main" xmlns="" w="9525">
+                <a14:hiddenLine xmlns="" xmlns:a14="http://schemas.microsoft.com/office/drawing/2010/main" w="9525">
                   <a:solidFill>
                     <a:srgbClr val="000000"/>
                   </a:solidFill>
@@ -1518,7 +1524,7 @@
             </a:ln>
             <a:extLst>
               <a:ext uri="{91240B29-F687-4f45-9708-019B960494DF}">
-                <a14:hiddenLine xmlns:a14="http://schemas.microsoft.com/office/drawing/2010/main" xmlns="" w="9525">
+                <a14:hiddenLine xmlns="" xmlns:a14="http://schemas.microsoft.com/office/drawing/2010/main" w="9525">
                   <a:solidFill>
                     <a:srgbClr val="000000"/>
                   </a:solidFill>
@@ -1608,7 +1614,7 @@
             </a:ln>
             <a:extLst>
               <a:ext uri="{91240B29-F687-4f45-9708-019B960494DF}">
-                <a14:hiddenLine xmlns:a14="http://schemas.microsoft.com/office/drawing/2010/main" xmlns="" w="9525">
+                <a14:hiddenLine xmlns="" xmlns:a14="http://schemas.microsoft.com/office/drawing/2010/main" w="9525">
                   <a:solidFill>
                     <a:srgbClr val="000000"/>
                   </a:solidFill>
@@ -1698,7 +1704,7 @@
             </a:ln>
             <a:extLst>
               <a:ext uri="{91240B29-F687-4f45-9708-019B960494DF}">
-                <a14:hiddenLine xmlns:a14="http://schemas.microsoft.com/office/drawing/2010/main" xmlns="" w="9525">
+                <a14:hiddenLine xmlns="" xmlns:a14="http://schemas.microsoft.com/office/drawing/2010/main" w="9525">
                   <a:solidFill>
                     <a:srgbClr val="000000"/>
                   </a:solidFill>
@@ -1754,7 +1760,7 @@
             </a:ln>
             <a:extLst>
               <a:ext uri="{91240B29-F687-4f45-9708-019B960494DF}">
-                <a14:hiddenLine xmlns:a14="http://schemas.microsoft.com/office/drawing/2010/main" xmlns="" w="9525">
+                <a14:hiddenLine xmlns="" xmlns:a14="http://schemas.microsoft.com/office/drawing/2010/main" w="9525">
                   <a:solidFill>
                     <a:srgbClr val="000000"/>
                   </a:solidFill>
@@ -1844,7 +1850,7 @@
             </a:ln>
             <a:extLst>
               <a:ext uri="{91240B29-F687-4f45-9708-019B960494DF}">
-                <a14:hiddenLine xmlns:a14="http://schemas.microsoft.com/office/drawing/2010/main" xmlns="" w="9525">
+                <a14:hiddenLine xmlns="" xmlns:a14="http://schemas.microsoft.com/office/drawing/2010/main" w="9525">
                   <a:solidFill>
                     <a:srgbClr val="000000"/>
                   </a:solidFill>
@@ -1900,7 +1906,7 @@
             </a:ln>
             <a:extLst>
               <a:ext uri="{91240B29-F687-4f45-9708-019B960494DF}">
-                <a14:hiddenLine xmlns:a14="http://schemas.microsoft.com/office/drawing/2010/main" xmlns="" w="9525">
+                <a14:hiddenLine xmlns="" xmlns:a14="http://schemas.microsoft.com/office/drawing/2010/main" w="9525">
                   <a:solidFill>
                     <a:srgbClr val="000000"/>
                   </a:solidFill>
@@ -1990,7 +1996,7 @@
             </a:ln>
             <a:extLst>
               <a:ext uri="{91240B29-F687-4f45-9708-019B960494DF}">
-                <a14:hiddenLine xmlns:a14="http://schemas.microsoft.com/office/drawing/2010/main" xmlns="" w="9525">
+                <a14:hiddenLine xmlns="" xmlns:a14="http://schemas.microsoft.com/office/drawing/2010/main" w="9525">
                   <a:solidFill>
                     <a:srgbClr val="000000"/>
                   </a:solidFill>
@@ -2058,7 +2064,7 @@
             </a:ln>
             <a:extLst>
               <a:ext uri="{91240B29-F687-4f45-9708-019B960494DF}">
-                <a14:hiddenLine xmlns:a14="http://schemas.microsoft.com/office/drawing/2010/main" xmlns="" w="9525">
+                <a14:hiddenLine xmlns="" xmlns:a14="http://schemas.microsoft.com/office/drawing/2010/main" w="9525">
                   <a:solidFill>
                     <a:srgbClr val="000000"/>
                   </a:solidFill>
@@ -2148,7 +2154,7 @@
             </a:ln>
             <a:extLst>
               <a:ext uri="{91240B29-F687-4f45-9708-019B960494DF}">
-                <a14:hiddenLine xmlns:a14="http://schemas.microsoft.com/office/drawing/2010/main" xmlns="" w="9525">
+                <a14:hiddenLine xmlns="" xmlns:a14="http://schemas.microsoft.com/office/drawing/2010/main" w="9525">
                   <a:solidFill>
                     <a:srgbClr val="000000"/>
                   </a:solidFill>
@@ -2216,7 +2222,7 @@
             </a:ln>
             <a:extLst>
               <a:ext uri="{91240B29-F687-4f45-9708-019B960494DF}">
-                <a14:hiddenLine xmlns:a14="http://schemas.microsoft.com/office/drawing/2010/main" xmlns="" w="9525">
+                <a14:hiddenLine xmlns="" xmlns:a14="http://schemas.microsoft.com/office/drawing/2010/main" w="9525">
                   <a:solidFill>
                     <a:srgbClr val="000000"/>
                   </a:solidFill>
@@ -2306,7 +2312,7 @@
             </a:ln>
             <a:extLst>
               <a:ext uri="{91240B29-F687-4f45-9708-019B960494DF}">
-                <a14:hiddenLine xmlns:a14="http://schemas.microsoft.com/office/drawing/2010/main" xmlns="" w="9525">
+                <a14:hiddenLine xmlns="" xmlns:a14="http://schemas.microsoft.com/office/drawing/2010/main" w="9525">
                   <a:solidFill>
                     <a:srgbClr val="000000"/>
                   </a:solidFill>
@@ -2340,7 +2346,7 @@
             </a:ln>
             <a:extLst>
               <a:ext uri="{91240B29-F687-4f45-9708-019B960494DF}">
-                <a14:hiddenLine xmlns:a14="http://schemas.microsoft.com/office/drawing/2010/main" xmlns="" w="9525">
+                <a14:hiddenLine xmlns="" xmlns:a14="http://schemas.microsoft.com/office/drawing/2010/main" w="9525">
                   <a:solidFill>
                     <a:srgbClr val="000000"/>
                   </a:solidFill>
@@ -2430,7 +2436,7 @@
             </a:ln>
             <a:extLst>
               <a:ext uri="{91240B29-F687-4f45-9708-019B960494DF}">
-                <a14:hiddenLine xmlns:a14="http://schemas.microsoft.com/office/drawing/2010/main" xmlns="" w="9525">
+                <a14:hiddenLine xmlns="" xmlns:a14="http://schemas.microsoft.com/office/drawing/2010/main" w="9525">
                   <a:solidFill>
                     <a:srgbClr val="000000"/>
                   </a:solidFill>
@@ -2492,7 +2498,7 @@
             </a:ln>
             <a:extLst>
               <a:ext uri="{91240B29-F687-4f45-9708-019B960494DF}">
-                <a14:hiddenLine xmlns:a14="http://schemas.microsoft.com/office/drawing/2010/main" xmlns="" w="9525">
+                <a14:hiddenLine xmlns="" xmlns:a14="http://schemas.microsoft.com/office/drawing/2010/main" w="9525">
                   <a:solidFill>
                     <a:srgbClr val="000000"/>
                   </a:solidFill>
@@ -2554,7 +2560,7 @@
             </a:ln>
             <a:extLst>
               <a:ext uri="{91240B29-F687-4f45-9708-019B960494DF}">
-                <a14:hiddenLine xmlns:a14="http://schemas.microsoft.com/office/drawing/2010/main" xmlns="" w="9525">
+                <a14:hiddenLine xmlns="" xmlns:a14="http://schemas.microsoft.com/office/drawing/2010/main" w="9525">
                   <a:solidFill>
                     <a:srgbClr val="000000"/>
                   </a:solidFill>
@@ -2644,7 +2650,7 @@
             </a:ln>
             <a:extLst>
               <a:ext uri="{91240B29-F687-4f45-9708-019B960494DF}">
-                <a14:hiddenLine xmlns:a14="http://schemas.microsoft.com/office/drawing/2010/main" xmlns="" w="9525">
+                <a14:hiddenLine xmlns="" xmlns:a14="http://schemas.microsoft.com/office/drawing/2010/main" w="9525">
                   <a:solidFill>
                     <a:srgbClr val="000000"/>
                   </a:solidFill>
@@ -2712,7 +2718,7 @@
             </a:ln>
             <a:extLst>
               <a:ext uri="{91240B29-F687-4f45-9708-019B960494DF}">
-                <a14:hiddenLine xmlns:a14="http://schemas.microsoft.com/office/drawing/2010/main" xmlns="" w="9525">
+                <a14:hiddenLine xmlns="" xmlns:a14="http://schemas.microsoft.com/office/drawing/2010/main" w="9525">
                   <a:solidFill>
                     <a:srgbClr val="000000"/>
                   </a:solidFill>
@@ -2774,7 +2780,7 @@
             </a:ln>
             <a:extLst>
               <a:ext uri="{91240B29-F687-4f45-9708-019B960494DF}">
-                <a14:hiddenLine xmlns:a14="http://schemas.microsoft.com/office/drawing/2010/main" xmlns="" w="9525">
+                <a14:hiddenLine xmlns="" xmlns:a14="http://schemas.microsoft.com/office/drawing/2010/main" w="9525">
                   <a:solidFill>
                     <a:srgbClr val="000000"/>
                   </a:solidFill>
@@ -2864,7 +2870,7 @@
             </a:ln>
             <a:extLst>
               <a:ext uri="{91240B29-F687-4f45-9708-019B960494DF}">
-                <a14:hiddenLine xmlns:a14="http://schemas.microsoft.com/office/drawing/2010/main" xmlns="" w="9525">
+                <a14:hiddenLine xmlns="" xmlns:a14="http://schemas.microsoft.com/office/drawing/2010/main" w="9525">
                   <a:solidFill>
                     <a:srgbClr val="000000"/>
                   </a:solidFill>
@@ -2926,7 +2932,7 @@
             </a:ln>
             <a:extLst>
               <a:ext uri="{91240B29-F687-4f45-9708-019B960494DF}">
-                <a14:hiddenLine xmlns:a14="http://schemas.microsoft.com/office/drawing/2010/main" xmlns="" w="9525">
+                <a14:hiddenLine xmlns="" xmlns:a14="http://schemas.microsoft.com/office/drawing/2010/main" w="9525">
                   <a:solidFill>
                     <a:srgbClr val="000000"/>
                   </a:solidFill>
@@ -3016,7 +3022,7 @@
             </a:ln>
             <a:extLst>
               <a:ext uri="{91240B29-F687-4f45-9708-019B960494DF}">
-                <a14:hiddenLine xmlns:a14="http://schemas.microsoft.com/office/drawing/2010/main" xmlns="" w="9525">
+                <a14:hiddenLine xmlns="" xmlns:a14="http://schemas.microsoft.com/office/drawing/2010/main" w="9525">
                   <a:solidFill>
                     <a:srgbClr val="000000"/>
                   </a:solidFill>
@@ -3078,7 +3084,7 @@
             </a:ln>
             <a:extLst>
               <a:ext uri="{91240B29-F687-4f45-9708-019B960494DF}">
-                <a14:hiddenLine xmlns:a14="http://schemas.microsoft.com/office/drawing/2010/main" xmlns="" w="9525">
+                <a14:hiddenLine xmlns="" xmlns:a14="http://schemas.microsoft.com/office/drawing/2010/main" w="9525">
                   <a:solidFill>
                     <a:srgbClr val="000000"/>
                   </a:solidFill>
@@ -3168,7 +3174,7 @@
             </a:ln>
             <a:extLst>
               <a:ext uri="{91240B29-F687-4f45-9708-019B960494DF}">
-                <a14:hiddenLine xmlns:a14="http://schemas.microsoft.com/office/drawing/2010/main" xmlns="" w="9525">
+                <a14:hiddenLine xmlns="" xmlns:a14="http://schemas.microsoft.com/office/drawing/2010/main" w="9525">
                   <a:solidFill>
                     <a:srgbClr val="000000"/>
                   </a:solidFill>
@@ -3202,7 +3208,7 @@
             </a:ln>
             <a:extLst>
               <a:ext uri="{91240B29-F687-4f45-9708-019B960494DF}">
-                <a14:hiddenLine xmlns:a14="http://schemas.microsoft.com/office/drawing/2010/main" xmlns="" w="9525">
+                <a14:hiddenLine xmlns="" xmlns:a14="http://schemas.microsoft.com/office/drawing/2010/main" w="9525">
                   <a:solidFill>
                     <a:srgbClr val="000000"/>
                   </a:solidFill>
@@ -3267,7 +3273,7 @@
             </a:ln>
             <a:extLst>
               <a:ext uri="{91240B29-F687-4f45-9708-019B960494DF}">
-                <a14:hiddenLine xmlns:a14="http://schemas.microsoft.com/office/drawing/2010/main" xmlns="" w="9525">
+                <a14:hiddenLine xmlns="" xmlns:a14="http://schemas.microsoft.com/office/drawing/2010/main" w="9525">
                   <a:solidFill>
                     <a:srgbClr val="000000"/>
                   </a:solidFill>
@@ -3357,7 +3363,7 @@
             </a:ln>
             <a:extLst>
               <a:ext uri="{91240B29-F687-4f45-9708-019B960494DF}">
-                <a14:hiddenLine xmlns:a14="http://schemas.microsoft.com/office/drawing/2010/main" xmlns="" w="9525">
+                <a14:hiddenLine xmlns="" xmlns:a14="http://schemas.microsoft.com/office/drawing/2010/main" w="9525">
                   <a:solidFill>
                     <a:srgbClr val="000000"/>
                   </a:solidFill>
@@ -3419,7 +3425,7 @@
             </a:ln>
             <a:extLst>
               <a:ext uri="{91240B29-F687-4f45-9708-019B960494DF}">
-                <a14:hiddenLine xmlns:a14="http://schemas.microsoft.com/office/drawing/2010/main" xmlns="" w="9525">
+                <a14:hiddenLine xmlns="" xmlns:a14="http://schemas.microsoft.com/office/drawing/2010/main" w="9525">
                   <a:solidFill>
                     <a:srgbClr val="000000"/>
                   </a:solidFill>
@@ -3509,7 +3515,7 @@
             </a:ln>
             <a:extLst>
               <a:ext uri="{91240B29-F687-4f45-9708-019B960494DF}">
-                <a14:hiddenLine xmlns:a14="http://schemas.microsoft.com/office/drawing/2010/main" xmlns="" w="9525">
+                <a14:hiddenLine xmlns="" xmlns:a14="http://schemas.microsoft.com/office/drawing/2010/main" w="9525">
                   <a:solidFill>
                     <a:srgbClr val="000000"/>
                   </a:solidFill>
@@ -3599,7 +3605,7 @@
             </a:ln>
             <a:extLst>
               <a:ext uri="{91240B29-F687-4f45-9708-019B960494DF}">
-                <a14:hiddenLine xmlns:a14="http://schemas.microsoft.com/office/drawing/2010/main" xmlns="" w="9525">
+                <a14:hiddenLine xmlns="" xmlns:a14="http://schemas.microsoft.com/office/drawing/2010/main" w="9525">
                   <a:solidFill>
                     <a:srgbClr val="000000"/>
                   </a:solidFill>
@@ -3664,7 +3670,7 @@
             </a:ln>
             <a:extLst>
               <a:ext uri="{91240B29-F687-4f45-9708-019B960494DF}">
-                <a14:hiddenLine xmlns:a14="http://schemas.microsoft.com/office/drawing/2010/main" xmlns="" w="9525">
+                <a14:hiddenLine xmlns="" xmlns:a14="http://schemas.microsoft.com/office/drawing/2010/main" w="9525">
                   <a:solidFill>
                     <a:srgbClr val="000000"/>
                   </a:solidFill>
@@ -3726,7 +3732,7 @@
             </a:ln>
             <a:extLst>
               <a:ext uri="{91240B29-F687-4f45-9708-019B960494DF}">
-                <a14:hiddenLine xmlns:a14="http://schemas.microsoft.com/office/drawing/2010/main" xmlns="" w="9525">
+                <a14:hiddenLine xmlns="" xmlns:a14="http://schemas.microsoft.com/office/drawing/2010/main" w="9525">
                   <a:solidFill>
                     <a:srgbClr val="000000"/>
                   </a:solidFill>
@@ -3816,7 +3822,7 @@
             </a:ln>
             <a:extLst>
               <a:ext uri="{91240B29-F687-4f45-9708-019B960494DF}">
-                <a14:hiddenLine xmlns:a14="http://schemas.microsoft.com/office/drawing/2010/main" xmlns="" w="9525">
+                <a14:hiddenLine xmlns="" xmlns:a14="http://schemas.microsoft.com/office/drawing/2010/main" w="9525">
                   <a:solidFill>
                     <a:srgbClr val="000000"/>
                   </a:solidFill>
@@ -3906,7 +3912,7 @@
             </a:ln>
             <a:extLst>
               <a:ext uri="{91240B29-F687-4f45-9708-019B960494DF}">
-                <a14:hiddenLine xmlns:a14="http://schemas.microsoft.com/office/drawing/2010/main" xmlns="" w="9525">
+                <a14:hiddenLine xmlns="" xmlns:a14="http://schemas.microsoft.com/office/drawing/2010/main" w="9525">
                   <a:solidFill>
                     <a:srgbClr val="000000"/>
                   </a:solidFill>
@@ -3968,7 +3974,7 @@
             </a:ln>
             <a:extLst>
               <a:ext uri="{91240B29-F687-4f45-9708-019B960494DF}">
-                <a14:hiddenLine xmlns:a14="http://schemas.microsoft.com/office/drawing/2010/main" xmlns="" w="9525">
+                <a14:hiddenLine xmlns="" xmlns:a14="http://schemas.microsoft.com/office/drawing/2010/main" w="9525">
                   <a:solidFill>
                     <a:srgbClr val="000000"/>
                   </a:solidFill>
@@ -4088,7 +4094,7 @@
             </a:ln>
             <a:extLst>
               <a:ext uri="{91240B29-F687-4f45-9708-019B960494DF}">
-                <a14:hiddenLine xmlns:a14="http://schemas.microsoft.com/office/drawing/2010/main" xmlns="" w="9525">
+                <a14:hiddenLine xmlns="" xmlns:a14="http://schemas.microsoft.com/office/drawing/2010/main" w="9525">
                   <a:solidFill>
                     <a:srgbClr val="000000"/>
                   </a:solidFill>
@@ -4156,7 +4162,7 @@
             </a:ln>
             <a:extLst>
               <a:ext uri="{91240B29-F687-4f45-9708-019B960494DF}">
-                <a14:hiddenLine xmlns:a14="http://schemas.microsoft.com/office/drawing/2010/main" xmlns="" w="9525">
+                <a14:hiddenLine xmlns="" xmlns:a14="http://schemas.microsoft.com/office/drawing/2010/main" w="9525">
                   <a:solidFill>
                     <a:srgbClr val="000000"/>
                   </a:solidFill>
@@ -4246,7 +4252,7 @@
             </a:ln>
             <a:extLst>
               <a:ext uri="{91240B29-F687-4f45-9708-019B960494DF}">
-                <a14:hiddenLine xmlns:a14="http://schemas.microsoft.com/office/drawing/2010/main" xmlns="" w="9525">
+                <a14:hiddenLine xmlns="" xmlns:a14="http://schemas.microsoft.com/office/drawing/2010/main" w="9525">
                   <a:solidFill>
                     <a:srgbClr val="000000"/>
                   </a:solidFill>
@@ -8968,7 +8974,7 @@
           <a:noFill/>
           <a:extLst>
             <a:ext uri="{909E8E84-426E-40dd-AFC4-6F175D3DCCD1}">
-              <a14:hiddenFill xmlns:a14="http://schemas.microsoft.com/office/drawing/2010/main" xmlns="">
+              <a14:hiddenFill xmlns="" xmlns:a14="http://schemas.microsoft.com/office/drawing/2010/main">
                 <a:solidFill>
                   <a:srgbClr val="FFFFFF"/>
                 </a:solidFill>
@@ -9042,7 +9048,7 @@
               </a:ln>
               <a:extLst>
                 <a:ext uri="{91240B29-F687-4f45-9708-019B960494DF}">
-                  <a14:hiddenLine xmlns:a14="http://schemas.microsoft.com/office/drawing/2010/main" xmlns="" w="9525">
+                  <a14:hiddenLine xmlns="" xmlns:a14="http://schemas.microsoft.com/office/drawing/2010/main" w="9525">
                     <a:solidFill>
                       <a:srgbClr val="000000"/>
                     </a:solidFill>
@@ -9132,7 +9138,7 @@
               </a:ln>
               <a:extLst>
                 <a:ext uri="{91240B29-F687-4f45-9708-019B960494DF}">
-                  <a14:hiddenLine xmlns:a14="http://schemas.microsoft.com/office/drawing/2010/main" xmlns="" w="9525">
+                  <a14:hiddenLine xmlns="" xmlns:a14="http://schemas.microsoft.com/office/drawing/2010/main" w="9525">
                     <a:solidFill>
                       <a:srgbClr val="000000"/>
                     </a:solidFill>
@@ -9222,7 +9228,7 @@
               </a:ln>
               <a:extLst>
                 <a:ext uri="{91240B29-F687-4f45-9708-019B960494DF}">
-                  <a14:hiddenLine xmlns:a14="http://schemas.microsoft.com/office/drawing/2010/main" xmlns="" w="9525">
+                  <a14:hiddenLine xmlns="" xmlns:a14="http://schemas.microsoft.com/office/drawing/2010/main" w="9525">
                     <a:solidFill>
                       <a:srgbClr val="000000"/>
                     </a:solidFill>
@@ -9284,7 +9290,7 @@
               </a:ln>
               <a:extLst>
                 <a:ext uri="{91240B29-F687-4f45-9708-019B960494DF}">
-                  <a14:hiddenLine xmlns:a14="http://schemas.microsoft.com/office/drawing/2010/main" xmlns="" w="9525">
+                  <a14:hiddenLine xmlns="" xmlns:a14="http://schemas.microsoft.com/office/drawing/2010/main" w="9525">
                     <a:solidFill>
                       <a:srgbClr val="000000"/>
                     </a:solidFill>
@@ -9374,7 +9380,7 @@
               </a:ln>
               <a:extLst>
                 <a:ext uri="{91240B29-F687-4f45-9708-019B960494DF}">
-                  <a14:hiddenLine xmlns:a14="http://schemas.microsoft.com/office/drawing/2010/main" xmlns="" w="9525">
+                  <a14:hiddenLine xmlns="" xmlns:a14="http://schemas.microsoft.com/office/drawing/2010/main" w="9525">
                     <a:solidFill>
                       <a:srgbClr val="000000"/>
                     </a:solidFill>
@@ -9436,7 +9442,7 @@
               </a:ln>
               <a:extLst>
                 <a:ext uri="{91240B29-F687-4f45-9708-019B960494DF}">
-                  <a14:hiddenLine xmlns:a14="http://schemas.microsoft.com/office/drawing/2010/main" xmlns="" w="9525">
+                  <a14:hiddenLine xmlns="" xmlns:a14="http://schemas.microsoft.com/office/drawing/2010/main" w="9525">
                     <a:solidFill>
                       <a:srgbClr val="000000"/>
                     </a:solidFill>
@@ -9498,7 +9504,7 @@
               </a:ln>
               <a:extLst>
                 <a:ext uri="{91240B29-F687-4f45-9708-019B960494DF}">
-                  <a14:hiddenLine xmlns:a14="http://schemas.microsoft.com/office/drawing/2010/main" xmlns="" w="9525">
+                  <a14:hiddenLine xmlns="" xmlns:a14="http://schemas.microsoft.com/office/drawing/2010/main" w="9525">
                     <a:solidFill>
                       <a:srgbClr val="000000"/>
                     </a:solidFill>
@@ -9588,7 +9594,7 @@
               </a:ln>
               <a:extLst>
                 <a:ext uri="{91240B29-F687-4f45-9708-019B960494DF}">
-                  <a14:hiddenLine xmlns:a14="http://schemas.microsoft.com/office/drawing/2010/main" xmlns="" w="9525">
+                  <a14:hiddenLine xmlns="" xmlns:a14="http://schemas.microsoft.com/office/drawing/2010/main" w="9525">
                     <a:solidFill>
                       <a:srgbClr val="000000"/>
                     </a:solidFill>
@@ -9678,7 +9684,7 @@
               </a:ln>
               <a:extLst>
                 <a:ext uri="{91240B29-F687-4f45-9708-019B960494DF}">
-                  <a14:hiddenLine xmlns:a14="http://schemas.microsoft.com/office/drawing/2010/main" xmlns="" w="9525">
+                  <a14:hiddenLine xmlns="" xmlns:a14="http://schemas.microsoft.com/office/drawing/2010/main" w="9525">
                     <a:solidFill>
                       <a:srgbClr val="000000"/>
                     </a:solidFill>
@@ -9740,7 +9746,7 @@
               </a:ln>
               <a:extLst>
                 <a:ext uri="{91240B29-F687-4f45-9708-019B960494DF}">
-                  <a14:hiddenLine xmlns:a14="http://schemas.microsoft.com/office/drawing/2010/main" xmlns="" w="9525">
+                  <a14:hiddenLine xmlns="" xmlns:a14="http://schemas.microsoft.com/office/drawing/2010/main" w="9525">
                     <a:solidFill>
                       <a:srgbClr val="000000"/>
                     </a:solidFill>
@@ -9850,7 +9856,7 @@
               </a:ln>
               <a:extLst>
                 <a:ext uri="{91240B29-F687-4f45-9708-019B960494DF}">
-                  <a14:hiddenLine xmlns:a14="http://schemas.microsoft.com/office/drawing/2010/main" xmlns="" w="9525">
+                  <a14:hiddenLine xmlns="" xmlns:a14="http://schemas.microsoft.com/office/drawing/2010/main" w="9525">
                     <a:solidFill>
                       <a:srgbClr val="000000"/>
                     </a:solidFill>
@@ -9934,7 +9940,7 @@
               </a:ln>
               <a:extLst>
                 <a:ext uri="{91240B29-F687-4f45-9708-019B960494DF}">
-                  <a14:hiddenLine xmlns:a14="http://schemas.microsoft.com/office/drawing/2010/main" xmlns="" w="9525">
+                  <a14:hiddenLine xmlns="" xmlns:a14="http://schemas.microsoft.com/office/drawing/2010/main" w="9525">
                     <a:solidFill>
                       <a:srgbClr val="000000"/>
                     </a:solidFill>
@@ -9996,7 +10002,7 @@
               </a:ln>
               <a:extLst>
                 <a:ext uri="{91240B29-F687-4f45-9708-019B960494DF}">
-                  <a14:hiddenLine xmlns:a14="http://schemas.microsoft.com/office/drawing/2010/main" xmlns="" w="9525">
+                  <a14:hiddenLine xmlns="" xmlns:a14="http://schemas.microsoft.com/office/drawing/2010/main" w="9525">
                     <a:solidFill>
                       <a:srgbClr val="000000"/>
                     </a:solidFill>
@@ -10058,7 +10064,7 @@
               </a:ln>
               <a:extLst>
                 <a:ext uri="{91240B29-F687-4f45-9708-019B960494DF}">
-                  <a14:hiddenLine xmlns:a14="http://schemas.microsoft.com/office/drawing/2010/main" xmlns="" w="9525">
+                  <a14:hiddenLine xmlns="" xmlns:a14="http://schemas.microsoft.com/office/drawing/2010/main" w="9525">
                     <a:solidFill>
                       <a:srgbClr val="000000"/>
                     </a:solidFill>
@@ -10148,7 +10154,7 @@
               </a:ln>
               <a:extLst>
                 <a:ext uri="{91240B29-F687-4f45-9708-019B960494DF}">
-                  <a14:hiddenLine xmlns:a14="http://schemas.microsoft.com/office/drawing/2010/main" xmlns="" w="9525">
+                  <a14:hiddenLine xmlns="" xmlns:a14="http://schemas.microsoft.com/office/drawing/2010/main" w="9525">
                     <a:solidFill>
                       <a:srgbClr val="000000"/>
                     </a:solidFill>
@@ -10182,7 +10188,7 @@
               </a:ln>
               <a:extLst>
                 <a:ext uri="{91240B29-F687-4f45-9708-019B960494DF}">
-                  <a14:hiddenLine xmlns:a14="http://schemas.microsoft.com/office/drawing/2010/main" xmlns="" w="9525">
+                  <a14:hiddenLine xmlns="" xmlns:a14="http://schemas.microsoft.com/office/drawing/2010/main" w="9525">
                     <a:solidFill>
                       <a:srgbClr val="000000"/>
                     </a:solidFill>
@@ -10247,7 +10253,7 @@
               </a:ln>
               <a:extLst>
                 <a:ext uri="{91240B29-F687-4f45-9708-019B960494DF}">
-                  <a14:hiddenLine xmlns:a14="http://schemas.microsoft.com/office/drawing/2010/main" xmlns="" w="9525">
+                  <a14:hiddenLine xmlns="" xmlns:a14="http://schemas.microsoft.com/office/drawing/2010/main" w="9525">
                     <a:solidFill>
                       <a:srgbClr val="000000"/>
                     </a:solidFill>
@@ -10337,7 +10343,7 @@
               </a:ln>
               <a:extLst>
                 <a:ext uri="{91240B29-F687-4f45-9708-019B960494DF}">
-                  <a14:hiddenLine xmlns:a14="http://schemas.microsoft.com/office/drawing/2010/main" xmlns="" w="9525">
+                  <a14:hiddenLine xmlns="" xmlns:a14="http://schemas.microsoft.com/office/drawing/2010/main" w="9525">
                     <a:solidFill>
                       <a:srgbClr val="000000"/>
                     </a:solidFill>
@@ -10399,7 +10405,7 @@
               </a:ln>
               <a:extLst>
                 <a:ext uri="{91240B29-F687-4f45-9708-019B960494DF}">
-                  <a14:hiddenLine xmlns:a14="http://schemas.microsoft.com/office/drawing/2010/main" xmlns="" w="9525">
+                  <a14:hiddenLine xmlns="" xmlns:a14="http://schemas.microsoft.com/office/drawing/2010/main" w="9525">
                     <a:solidFill>
                       <a:srgbClr val="000000"/>
                     </a:solidFill>
@@ -10489,7 +10495,7 @@
               </a:ln>
               <a:extLst>
                 <a:ext uri="{91240B29-F687-4f45-9708-019B960494DF}">
-                  <a14:hiddenLine xmlns:a14="http://schemas.microsoft.com/office/drawing/2010/main" xmlns="" w="9525">
+                  <a14:hiddenLine xmlns="" xmlns:a14="http://schemas.microsoft.com/office/drawing/2010/main" w="9525">
                     <a:solidFill>
                       <a:srgbClr val="000000"/>
                     </a:solidFill>
@@ -10554,7 +10560,7 @@
               </a:ln>
               <a:extLst>
                 <a:ext uri="{91240B29-F687-4f45-9708-019B960494DF}">
-                  <a14:hiddenLine xmlns:a14="http://schemas.microsoft.com/office/drawing/2010/main" xmlns="" w="9525">
+                  <a14:hiddenLine xmlns="" xmlns:a14="http://schemas.microsoft.com/office/drawing/2010/main" w="9525">
                     <a:solidFill>
                       <a:srgbClr val="000000"/>
                     </a:solidFill>
@@ -10616,7 +10622,7 @@
               </a:ln>
               <a:extLst>
                 <a:ext uri="{91240B29-F687-4f45-9708-019B960494DF}">
-                  <a14:hiddenLine xmlns:a14="http://schemas.microsoft.com/office/drawing/2010/main" xmlns="" w="9525">
+                  <a14:hiddenLine xmlns="" xmlns:a14="http://schemas.microsoft.com/office/drawing/2010/main" w="9525">
                     <a:solidFill>
                       <a:srgbClr val="000000"/>
                     </a:solidFill>
@@ -10706,7 +10712,7 @@
               </a:ln>
               <a:extLst>
                 <a:ext uri="{91240B29-F687-4f45-9708-019B960494DF}">
-                  <a14:hiddenLine xmlns:a14="http://schemas.microsoft.com/office/drawing/2010/main" xmlns="" w="9525">
+                  <a14:hiddenLine xmlns="" xmlns:a14="http://schemas.microsoft.com/office/drawing/2010/main" w="9525">
                     <a:solidFill>
                       <a:srgbClr val="000000"/>
                     </a:solidFill>
@@ -10796,7 +10802,7 @@
               </a:ln>
               <a:extLst>
                 <a:ext uri="{91240B29-F687-4f45-9708-019B960494DF}">
-                  <a14:hiddenLine xmlns:a14="http://schemas.microsoft.com/office/drawing/2010/main" xmlns="" w="9525">
+                  <a14:hiddenLine xmlns="" xmlns:a14="http://schemas.microsoft.com/office/drawing/2010/main" w="9525">
                     <a:solidFill>
                       <a:srgbClr val="000000"/>
                     </a:solidFill>
@@ -10861,7 +10867,7 @@
               </a:ln>
               <a:extLst>
                 <a:ext uri="{91240B29-F687-4f45-9708-019B960494DF}">
-                  <a14:hiddenLine xmlns:a14="http://schemas.microsoft.com/office/drawing/2010/main" xmlns="" w="9525">
+                  <a14:hiddenLine xmlns="" xmlns:a14="http://schemas.microsoft.com/office/drawing/2010/main" w="9525">
                     <a:solidFill>
                       <a:srgbClr val="000000"/>
                     </a:solidFill>
@@ -10981,7 +10987,7 @@
               </a:ln>
               <a:extLst>
                 <a:ext uri="{91240B29-F687-4f45-9708-019B960494DF}">
-                  <a14:hiddenLine xmlns:a14="http://schemas.microsoft.com/office/drawing/2010/main" xmlns="" w="9525">
+                  <a14:hiddenLine xmlns="" xmlns:a14="http://schemas.microsoft.com/office/drawing/2010/main" w="9525">
                     <a:solidFill>
                       <a:srgbClr val="000000"/>
                     </a:solidFill>
@@ -11079,7 +11085,7 @@
               </a:ln>
               <a:extLst>
                 <a:ext uri="{91240B29-F687-4f45-9708-019B960494DF}">
-                  <a14:hiddenLine xmlns:a14="http://schemas.microsoft.com/office/drawing/2010/main" xmlns="" w="9525">
+                  <a14:hiddenLine xmlns="" xmlns:a14="http://schemas.microsoft.com/office/drawing/2010/main" w="9525">
                     <a:solidFill>
                       <a:srgbClr val="000000"/>
                     </a:solidFill>
@@ -11194,7 +11200,7 @@
               </a:ln>
               <a:extLst>
                 <a:ext uri="{91240B29-F687-4f45-9708-019B960494DF}">
-                  <a14:hiddenLine xmlns:a14="http://schemas.microsoft.com/office/drawing/2010/main" xmlns="" w="9525">
+                  <a14:hiddenLine xmlns="" xmlns:a14="http://schemas.microsoft.com/office/drawing/2010/main" w="9525">
                     <a:solidFill>
                       <a:srgbClr val="000000"/>
                     </a:solidFill>
@@ -11284,7 +11290,7 @@
               </a:ln>
               <a:extLst>
                 <a:ext uri="{91240B29-F687-4f45-9708-019B960494DF}">
-                  <a14:hiddenLine xmlns:a14="http://schemas.microsoft.com/office/drawing/2010/main" xmlns="" w="9525">
+                  <a14:hiddenLine xmlns="" xmlns:a14="http://schemas.microsoft.com/office/drawing/2010/main" w="9525">
                     <a:solidFill>
                       <a:srgbClr val="000000"/>
                     </a:solidFill>
@@ -11349,7 +11355,7 @@
               </a:ln>
               <a:extLst>
                 <a:ext uri="{91240B29-F687-4f45-9708-019B960494DF}">
-                  <a14:hiddenLine xmlns:a14="http://schemas.microsoft.com/office/drawing/2010/main" xmlns="" w="9525">
+                  <a14:hiddenLine xmlns="" xmlns:a14="http://schemas.microsoft.com/office/drawing/2010/main" w="9525">
                     <a:solidFill>
                       <a:srgbClr val="000000"/>
                     </a:solidFill>
@@ -11439,7 +11445,7 @@
               </a:ln>
               <a:extLst>
                 <a:ext uri="{91240B29-F687-4f45-9708-019B960494DF}">
-                  <a14:hiddenLine xmlns:a14="http://schemas.microsoft.com/office/drawing/2010/main" xmlns="" w="9525">
+                  <a14:hiddenLine xmlns="" xmlns:a14="http://schemas.microsoft.com/office/drawing/2010/main" w="9525">
                     <a:solidFill>
                       <a:srgbClr val="000000"/>
                     </a:solidFill>
@@ -11507,7 +11513,7 @@
               </a:ln>
               <a:extLst>
                 <a:ext uri="{91240B29-F687-4f45-9708-019B960494DF}">
-                  <a14:hiddenLine xmlns:a14="http://schemas.microsoft.com/office/drawing/2010/main" xmlns="" w="9525">
+                  <a14:hiddenLine xmlns="" xmlns:a14="http://schemas.microsoft.com/office/drawing/2010/main" w="9525">
                     <a:solidFill>
                       <a:srgbClr val="000000"/>
                     </a:solidFill>
@@ -11597,7 +11603,7 @@
               </a:ln>
               <a:extLst>
                 <a:ext uri="{91240B29-F687-4f45-9708-019B960494DF}">
-                  <a14:hiddenLine xmlns:a14="http://schemas.microsoft.com/office/drawing/2010/main" xmlns="" w="9525">
+                  <a14:hiddenLine xmlns="" xmlns:a14="http://schemas.microsoft.com/office/drawing/2010/main" w="9525">
                     <a:solidFill>
                       <a:srgbClr val="000000"/>
                     </a:solidFill>
@@ -11665,7 +11671,7 @@
               </a:ln>
               <a:extLst>
                 <a:ext uri="{91240B29-F687-4f45-9708-019B960494DF}">
-                  <a14:hiddenLine xmlns:a14="http://schemas.microsoft.com/office/drawing/2010/main" xmlns="" w="9525">
+                  <a14:hiddenLine xmlns="" xmlns:a14="http://schemas.microsoft.com/office/drawing/2010/main" w="9525">
                     <a:solidFill>
                       <a:srgbClr val="000000"/>
                     </a:solidFill>
@@ -11755,7 +11761,7 @@
               </a:ln>
               <a:extLst>
                 <a:ext uri="{91240B29-F687-4f45-9708-019B960494DF}">
-                  <a14:hiddenLine xmlns:a14="http://schemas.microsoft.com/office/drawing/2010/main" xmlns="" w="9525">
+                  <a14:hiddenLine xmlns="" xmlns:a14="http://schemas.microsoft.com/office/drawing/2010/main" w="9525">
                     <a:solidFill>
                       <a:srgbClr val="000000"/>
                     </a:solidFill>
@@ -11789,7 +11795,7 @@
               </a:ln>
               <a:extLst>
                 <a:ext uri="{91240B29-F687-4f45-9708-019B960494DF}">
-                  <a14:hiddenLine xmlns:a14="http://schemas.microsoft.com/office/drawing/2010/main" xmlns="" w="9525">
+                  <a14:hiddenLine xmlns="" xmlns:a14="http://schemas.microsoft.com/office/drawing/2010/main" w="9525">
                     <a:solidFill>
                       <a:srgbClr val="000000"/>
                     </a:solidFill>
@@ -12562,7 +12568,7 @@
           </a:prstGeom>
           <a:extLst>
             <a:ext uri="{909E8E84-426E-40dd-AFC4-6F175D3DCCD1}">
-              <a14:hiddenFill xmlns="" xmlns:a16="http://schemas.microsoft.com/office/drawing/2014/main" xmlns:p14="http://schemas.microsoft.com/office/powerpoint/2010/main" xmlns:a14="http://schemas.microsoft.com/office/drawing/2010/main">
+              <a14:hiddenFill xmlns:a14="http://schemas.microsoft.com/office/drawing/2010/main" xmlns:p14="http://schemas.microsoft.com/office/powerpoint/2010/main" xmlns:a16="http://schemas.microsoft.com/office/drawing/2014/main" xmlns="">
                 <a:solidFill>
                   <a:srgbClr val="FFFFFF"/>
                 </a:solidFill>
@@ -12686,7 +12692,7 @@
           <a:noFill/>
           <a:extLst>
             <a:ext uri="{909E8E84-426E-40dd-AFC4-6F175D3DCCD1}">
-              <a14:hiddenFill xmlns="" xmlns:a16="http://schemas.microsoft.com/office/drawing/2014/main" xmlns:p14="http://schemas.microsoft.com/office/powerpoint/2010/main" xmlns:a14="http://schemas.microsoft.com/office/drawing/2010/main">
+              <a14:hiddenFill xmlns:a14="http://schemas.microsoft.com/office/drawing/2010/main" xmlns:p14="http://schemas.microsoft.com/office/powerpoint/2010/main" xmlns:a16="http://schemas.microsoft.com/office/drawing/2014/main" xmlns="">
                 <a:solidFill>
                   <a:srgbClr val="FFFFFF"/>
                 </a:solidFill>
@@ -12921,7 +12927,7 @@
             </a:ln>
             <a:extLst>
               <a:ext uri="{91240B29-F687-4f45-9708-019B960494DF}">
-                <a14:hiddenLine xmlns="" xmlns:a16="http://schemas.microsoft.com/office/drawing/2014/main" xmlns:p14="http://schemas.microsoft.com/office/powerpoint/2010/main" xmlns:a14="http://schemas.microsoft.com/office/drawing/2010/main" w="9525">
+                <a14:hiddenLine xmlns:a14="http://schemas.microsoft.com/office/drawing/2010/main" xmlns:p14="http://schemas.microsoft.com/office/powerpoint/2010/main" xmlns:a16="http://schemas.microsoft.com/office/drawing/2014/main" xmlns="" w="9525">
                   <a:solidFill>
                     <a:srgbClr val="000000"/>
                   </a:solidFill>
@@ -13026,7 +13032,7 @@
             </a:ln>
             <a:extLst>
               <a:ext uri="{91240B29-F687-4f45-9708-019B960494DF}">
-                <a14:hiddenLine xmlns="" xmlns:a16="http://schemas.microsoft.com/office/drawing/2014/main" xmlns:p14="http://schemas.microsoft.com/office/powerpoint/2010/main" xmlns:a14="http://schemas.microsoft.com/office/drawing/2010/main" w="9525">
+                <a14:hiddenLine xmlns:a14="http://schemas.microsoft.com/office/drawing/2010/main" xmlns:p14="http://schemas.microsoft.com/office/powerpoint/2010/main" xmlns:a16="http://schemas.microsoft.com/office/drawing/2014/main" xmlns="" w="9525">
                   <a:solidFill>
                     <a:srgbClr val="000000"/>
                   </a:solidFill>
@@ -13131,7 +13137,7 @@
             </a:ln>
             <a:extLst>
               <a:ext uri="{91240B29-F687-4f45-9708-019B960494DF}">
-                <a14:hiddenLine xmlns="" xmlns:a16="http://schemas.microsoft.com/office/drawing/2014/main" xmlns:p14="http://schemas.microsoft.com/office/powerpoint/2010/main" xmlns:a14="http://schemas.microsoft.com/office/drawing/2010/main" w="9525">
+                <a14:hiddenLine xmlns:a14="http://schemas.microsoft.com/office/drawing/2010/main" xmlns:p14="http://schemas.microsoft.com/office/powerpoint/2010/main" xmlns:a16="http://schemas.microsoft.com/office/drawing/2014/main" xmlns="" w="9525">
                   <a:solidFill>
                     <a:srgbClr val="000000"/>
                   </a:solidFill>
@@ -13208,7 +13214,7 @@
             </a:ln>
             <a:extLst>
               <a:ext uri="{91240B29-F687-4f45-9708-019B960494DF}">
-                <a14:hiddenLine xmlns="" xmlns:a16="http://schemas.microsoft.com/office/drawing/2014/main" xmlns:p14="http://schemas.microsoft.com/office/powerpoint/2010/main" xmlns:a14="http://schemas.microsoft.com/office/drawing/2010/main" w="9525">
+                <a14:hiddenLine xmlns:a14="http://schemas.microsoft.com/office/drawing/2010/main" xmlns:p14="http://schemas.microsoft.com/office/powerpoint/2010/main" xmlns:a16="http://schemas.microsoft.com/office/drawing/2014/main" xmlns="" w="9525">
                   <a:solidFill>
                     <a:srgbClr val="000000"/>
                   </a:solidFill>
@@ -13313,7 +13319,7 @@
             </a:ln>
             <a:extLst>
               <a:ext uri="{91240B29-F687-4f45-9708-019B960494DF}">
-                <a14:hiddenLine xmlns="" xmlns:a16="http://schemas.microsoft.com/office/drawing/2014/main" xmlns:p14="http://schemas.microsoft.com/office/powerpoint/2010/main" xmlns:a14="http://schemas.microsoft.com/office/drawing/2010/main" w="9525">
+                <a14:hiddenLine xmlns:a14="http://schemas.microsoft.com/office/drawing/2010/main" xmlns:p14="http://schemas.microsoft.com/office/powerpoint/2010/main" xmlns:a16="http://schemas.microsoft.com/office/drawing/2014/main" xmlns="" w="9525">
                   <a:solidFill>
                     <a:srgbClr val="000000"/>
                   </a:solidFill>
@@ -13390,7 +13396,7 @@
             </a:ln>
             <a:extLst>
               <a:ext uri="{91240B29-F687-4f45-9708-019B960494DF}">
-                <a14:hiddenLine xmlns="" xmlns:a16="http://schemas.microsoft.com/office/drawing/2014/main" xmlns:p14="http://schemas.microsoft.com/office/powerpoint/2010/main" xmlns:a14="http://schemas.microsoft.com/office/drawing/2010/main" w="9525">
+                <a14:hiddenLine xmlns:a14="http://schemas.microsoft.com/office/drawing/2010/main" xmlns:p14="http://schemas.microsoft.com/office/powerpoint/2010/main" xmlns:a16="http://schemas.microsoft.com/office/drawing/2014/main" xmlns="" w="9525">
                   <a:solidFill>
                     <a:srgbClr val="000000"/>
                   </a:solidFill>
@@ -13467,7 +13473,7 @@
             </a:ln>
             <a:extLst>
               <a:ext uri="{91240B29-F687-4f45-9708-019B960494DF}">
-                <a14:hiddenLine xmlns="" xmlns:a16="http://schemas.microsoft.com/office/drawing/2014/main" xmlns:p14="http://schemas.microsoft.com/office/powerpoint/2010/main" xmlns:a14="http://schemas.microsoft.com/office/drawing/2010/main" w="9525">
+                <a14:hiddenLine xmlns:a14="http://schemas.microsoft.com/office/drawing/2010/main" xmlns:p14="http://schemas.microsoft.com/office/powerpoint/2010/main" xmlns:a16="http://schemas.microsoft.com/office/drawing/2014/main" xmlns="" w="9525">
                   <a:solidFill>
                     <a:srgbClr val="000000"/>
                   </a:solidFill>
@@ -13572,7 +13578,7 @@
             </a:ln>
             <a:extLst>
               <a:ext uri="{91240B29-F687-4f45-9708-019B960494DF}">
-                <a14:hiddenLine xmlns="" xmlns:a16="http://schemas.microsoft.com/office/drawing/2014/main" xmlns:p14="http://schemas.microsoft.com/office/powerpoint/2010/main" xmlns:a14="http://schemas.microsoft.com/office/drawing/2010/main" w="9525">
+                <a14:hiddenLine xmlns:a14="http://schemas.microsoft.com/office/drawing/2010/main" xmlns:p14="http://schemas.microsoft.com/office/powerpoint/2010/main" xmlns:a16="http://schemas.microsoft.com/office/drawing/2014/main" xmlns="" w="9525">
                   <a:solidFill>
                     <a:srgbClr val="000000"/>
                   </a:solidFill>
@@ -13677,7 +13683,7 @@
             </a:ln>
             <a:extLst>
               <a:ext uri="{91240B29-F687-4f45-9708-019B960494DF}">
-                <a14:hiddenLine xmlns="" xmlns:a16="http://schemas.microsoft.com/office/drawing/2014/main" xmlns:p14="http://schemas.microsoft.com/office/powerpoint/2010/main" xmlns:a14="http://schemas.microsoft.com/office/drawing/2010/main" w="9525">
+                <a14:hiddenLine xmlns:a14="http://schemas.microsoft.com/office/drawing/2010/main" xmlns:p14="http://schemas.microsoft.com/office/powerpoint/2010/main" xmlns:a16="http://schemas.microsoft.com/office/drawing/2014/main" xmlns="" w="9525">
                   <a:solidFill>
                     <a:srgbClr val="000000"/>
                   </a:solidFill>
@@ -13754,7 +13760,7 @@
             </a:ln>
             <a:extLst>
               <a:ext uri="{91240B29-F687-4f45-9708-019B960494DF}">
-                <a14:hiddenLine xmlns="" xmlns:a16="http://schemas.microsoft.com/office/drawing/2014/main" xmlns:p14="http://schemas.microsoft.com/office/powerpoint/2010/main" xmlns:a14="http://schemas.microsoft.com/office/drawing/2010/main" w="9525">
+                <a14:hiddenLine xmlns:a14="http://schemas.microsoft.com/office/drawing/2010/main" xmlns:p14="http://schemas.microsoft.com/office/powerpoint/2010/main" xmlns:a16="http://schemas.microsoft.com/office/drawing/2014/main" xmlns="" w="9525">
                   <a:solidFill>
                     <a:srgbClr val="000000"/>
                   </a:solidFill>
@@ -13879,7 +13885,7 @@
             </a:ln>
             <a:extLst>
               <a:ext uri="{91240B29-F687-4f45-9708-019B960494DF}">
-                <a14:hiddenLine xmlns="" xmlns:a16="http://schemas.microsoft.com/office/drawing/2014/main" xmlns:p14="http://schemas.microsoft.com/office/powerpoint/2010/main" xmlns:a14="http://schemas.microsoft.com/office/drawing/2010/main" w="9525">
+                <a14:hiddenLine xmlns:a14="http://schemas.microsoft.com/office/drawing/2010/main" xmlns:p14="http://schemas.microsoft.com/office/powerpoint/2010/main" xmlns:a16="http://schemas.microsoft.com/office/drawing/2014/main" xmlns="" w="9525">
                   <a:solidFill>
                     <a:srgbClr val="000000"/>
                   </a:solidFill>
@@ -13993,7 +13999,7 @@
             </a:ln>
             <a:extLst>
               <a:ext uri="{91240B29-F687-4f45-9708-019B960494DF}">
-                <a14:hiddenLine xmlns="" xmlns:a16="http://schemas.microsoft.com/office/drawing/2014/main" xmlns:p14="http://schemas.microsoft.com/office/powerpoint/2010/main" xmlns:a14="http://schemas.microsoft.com/office/drawing/2010/main" w="9525">
+                <a14:hiddenLine xmlns:a14="http://schemas.microsoft.com/office/drawing/2010/main" xmlns:p14="http://schemas.microsoft.com/office/powerpoint/2010/main" xmlns:a16="http://schemas.microsoft.com/office/drawing/2014/main" xmlns="" w="9525">
                   <a:solidFill>
                     <a:srgbClr val="000000"/>
                   </a:solidFill>
@@ -14070,7 +14076,7 @@
             </a:ln>
             <a:extLst>
               <a:ext uri="{91240B29-F687-4f45-9708-019B960494DF}">
-                <a14:hiddenLine xmlns="" xmlns:a16="http://schemas.microsoft.com/office/drawing/2014/main" xmlns:p14="http://schemas.microsoft.com/office/powerpoint/2010/main" xmlns:a14="http://schemas.microsoft.com/office/drawing/2010/main" w="9525">
+                <a14:hiddenLine xmlns:a14="http://schemas.microsoft.com/office/drawing/2010/main" xmlns:p14="http://schemas.microsoft.com/office/powerpoint/2010/main" xmlns:a16="http://schemas.microsoft.com/office/drawing/2014/main" xmlns="" w="9525">
                   <a:solidFill>
                     <a:srgbClr val="000000"/>
                   </a:solidFill>
@@ -14147,7 +14153,7 @@
             </a:ln>
             <a:extLst>
               <a:ext uri="{91240B29-F687-4f45-9708-019B960494DF}">
-                <a14:hiddenLine xmlns="" xmlns:a16="http://schemas.microsoft.com/office/drawing/2014/main" xmlns:p14="http://schemas.microsoft.com/office/powerpoint/2010/main" xmlns:a14="http://schemas.microsoft.com/office/drawing/2010/main" w="9525">
+                <a14:hiddenLine xmlns:a14="http://schemas.microsoft.com/office/drawing/2010/main" xmlns:p14="http://schemas.microsoft.com/office/powerpoint/2010/main" xmlns:a16="http://schemas.microsoft.com/office/drawing/2014/main" xmlns="" w="9525">
                   <a:solidFill>
                     <a:srgbClr val="000000"/>
                   </a:solidFill>
@@ -14252,7 +14258,7 @@
             </a:ln>
             <a:extLst>
               <a:ext uri="{91240B29-F687-4f45-9708-019B960494DF}">
-                <a14:hiddenLine xmlns="" xmlns:a16="http://schemas.microsoft.com/office/drawing/2014/main" xmlns:p14="http://schemas.microsoft.com/office/powerpoint/2010/main" xmlns:a14="http://schemas.microsoft.com/office/drawing/2010/main" w="9525">
+                <a14:hiddenLine xmlns:a14="http://schemas.microsoft.com/office/drawing/2010/main" xmlns:p14="http://schemas.microsoft.com/office/powerpoint/2010/main" xmlns:a16="http://schemas.microsoft.com/office/drawing/2014/main" xmlns="" w="9525">
                   <a:solidFill>
                     <a:srgbClr val="000000"/>
                   </a:solidFill>
@@ -14301,7 +14307,7 @@
             </a:ln>
             <a:extLst>
               <a:ext uri="{91240B29-F687-4f45-9708-019B960494DF}">
-                <a14:hiddenLine xmlns="" xmlns:a16="http://schemas.microsoft.com/office/drawing/2014/main" xmlns:p14="http://schemas.microsoft.com/office/powerpoint/2010/main" xmlns:a14="http://schemas.microsoft.com/office/drawing/2010/main" w="9525">
+                <a14:hiddenLine xmlns:a14="http://schemas.microsoft.com/office/drawing/2010/main" xmlns:p14="http://schemas.microsoft.com/office/powerpoint/2010/main" xmlns:a16="http://schemas.microsoft.com/office/drawing/2014/main" xmlns="" w="9525">
                   <a:solidFill>
                     <a:srgbClr val="000000"/>
                   </a:solidFill>
@@ -14381,7 +14387,7 @@
             </a:ln>
             <a:extLst>
               <a:ext uri="{91240B29-F687-4f45-9708-019B960494DF}">
-                <a14:hiddenLine xmlns="" xmlns:a16="http://schemas.microsoft.com/office/drawing/2014/main" xmlns:p14="http://schemas.microsoft.com/office/powerpoint/2010/main" xmlns:a14="http://schemas.microsoft.com/office/drawing/2010/main" w="9525">
+                <a14:hiddenLine xmlns:a14="http://schemas.microsoft.com/office/drawing/2010/main" xmlns:p14="http://schemas.microsoft.com/office/powerpoint/2010/main" xmlns:a16="http://schemas.microsoft.com/office/drawing/2014/main" xmlns="" w="9525">
                   <a:solidFill>
                     <a:srgbClr val="000000"/>
                   </a:solidFill>
@@ -14486,7 +14492,7 @@
             </a:ln>
             <a:extLst>
               <a:ext uri="{91240B29-F687-4f45-9708-019B960494DF}">
-                <a14:hiddenLine xmlns="" xmlns:a16="http://schemas.microsoft.com/office/drawing/2014/main" xmlns:p14="http://schemas.microsoft.com/office/powerpoint/2010/main" xmlns:a14="http://schemas.microsoft.com/office/drawing/2010/main" w="9525">
+                <a14:hiddenLine xmlns:a14="http://schemas.microsoft.com/office/drawing/2010/main" xmlns:p14="http://schemas.microsoft.com/office/powerpoint/2010/main" xmlns:a16="http://schemas.microsoft.com/office/drawing/2014/main" xmlns="" w="9525">
                   <a:solidFill>
                     <a:srgbClr val="000000"/>
                   </a:solidFill>
@@ -14563,7 +14569,7 @@
             </a:ln>
             <a:extLst>
               <a:ext uri="{91240B29-F687-4f45-9708-019B960494DF}">
-                <a14:hiddenLine xmlns="" xmlns:a16="http://schemas.microsoft.com/office/drawing/2014/main" xmlns:p14="http://schemas.microsoft.com/office/powerpoint/2010/main" xmlns:a14="http://schemas.microsoft.com/office/drawing/2010/main" w="9525">
+                <a14:hiddenLine xmlns:a14="http://schemas.microsoft.com/office/drawing/2010/main" xmlns:p14="http://schemas.microsoft.com/office/powerpoint/2010/main" xmlns:a16="http://schemas.microsoft.com/office/drawing/2014/main" xmlns="" w="9525">
                   <a:solidFill>
                     <a:srgbClr val="000000"/>
                   </a:solidFill>
@@ -14668,7 +14674,7 @@
             </a:ln>
             <a:extLst>
               <a:ext uri="{91240B29-F687-4f45-9708-019B960494DF}">
-                <a14:hiddenLine xmlns="" xmlns:a16="http://schemas.microsoft.com/office/drawing/2014/main" xmlns:p14="http://schemas.microsoft.com/office/powerpoint/2010/main" xmlns:a14="http://schemas.microsoft.com/office/drawing/2010/main" w="9525">
+                <a14:hiddenLine xmlns:a14="http://schemas.microsoft.com/office/drawing/2010/main" xmlns:p14="http://schemas.microsoft.com/office/powerpoint/2010/main" xmlns:a16="http://schemas.microsoft.com/office/drawing/2014/main" xmlns="" w="9525">
                   <a:solidFill>
                     <a:srgbClr val="000000"/>
                   </a:solidFill>
@@ -14748,7 +14754,7 @@
             </a:ln>
             <a:extLst>
               <a:ext uri="{91240B29-F687-4f45-9708-019B960494DF}">
-                <a14:hiddenLine xmlns="" xmlns:a16="http://schemas.microsoft.com/office/drawing/2014/main" xmlns:p14="http://schemas.microsoft.com/office/powerpoint/2010/main" xmlns:a14="http://schemas.microsoft.com/office/drawing/2010/main" w="9525">
+                <a14:hiddenLine xmlns:a14="http://schemas.microsoft.com/office/drawing/2010/main" xmlns:p14="http://schemas.microsoft.com/office/powerpoint/2010/main" xmlns:a16="http://schemas.microsoft.com/office/drawing/2014/main" xmlns="" w="9525">
                   <a:solidFill>
                     <a:srgbClr val="000000"/>
                   </a:solidFill>
@@ -14825,7 +14831,7 @@
             </a:ln>
             <a:extLst>
               <a:ext uri="{91240B29-F687-4f45-9708-019B960494DF}">
-                <a14:hiddenLine xmlns="" xmlns:a16="http://schemas.microsoft.com/office/drawing/2014/main" xmlns:p14="http://schemas.microsoft.com/office/powerpoint/2010/main" xmlns:a14="http://schemas.microsoft.com/office/drawing/2010/main" w="9525">
+                <a14:hiddenLine xmlns:a14="http://schemas.microsoft.com/office/drawing/2010/main" xmlns:p14="http://schemas.microsoft.com/office/powerpoint/2010/main" xmlns:a16="http://schemas.microsoft.com/office/drawing/2014/main" xmlns="" w="9525">
                   <a:solidFill>
                     <a:srgbClr val="000000"/>
                   </a:solidFill>
@@ -14930,7 +14936,7 @@
             </a:ln>
             <a:extLst>
               <a:ext uri="{91240B29-F687-4f45-9708-019B960494DF}">
-                <a14:hiddenLine xmlns="" xmlns:a16="http://schemas.microsoft.com/office/drawing/2014/main" xmlns:p14="http://schemas.microsoft.com/office/powerpoint/2010/main" xmlns:a14="http://schemas.microsoft.com/office/drawing/2010/main" w="9525">
+                <a14:hiddenLine xmlns:a14="http://schemas.microsoft.com/office/drawing/2010/main" xmlns:p14="http://schemas.microsoft.com/office/powerpoint/2010/main" xmlns:a16="http://schemas.microsoft.com/office/drawing/2014/main" xmlns="" w="9525">
                   <a:solidFill>
                     <a:srgbClr val="000000"/>
                   </a:solidFill>
@@ -15035,7 +15041,7 @@
             </a:ln>
             <a:extLst>
               <a:ext uri="{91240B29-F687-4f45-9708-019B960494DF}">
-                <a14:hiddenLine xmlns="" xmlns:a16="http://schemas.microsoft.com/office/drawing/2014/main" xmlns:p14="http://schemas.microsoft.com/office/powerpoint/2010/main" xmlns:a14="http://schemas.microsoft.com/office/drawing/2010/main" w="9525">
+                <a14:hiddenLine xmlns:a14="http://schemas.microsoft.com/office/drawing/2010/main" xmlns:p14="http://schemas.microsoft.com/office/powerpoint/2010/main" xmlns:a16="http://schemas.microsoft.com/office/drawing/2014/main" xmlns="" w="9525">
                   <a:solidFill>
                     <a:srgbClr val="000000"/>
                   </a:solidFill>
@@ -15115,7 +15121,7 @@
             </a:ln>
             <a:extLst>
               <a:ext uri="{91240B29-F687-4f45-9708-019B960494DF}">
-                <a14:hiddenLine xmlns="" xmlns:a16="http://schemas.microsoft.com/office/drawing/2014/main" xmlns:p14="http://schemas.microsoft.com/office/powerpoint/2010/main" xmlns:a14="http://schemas.microsoft.com/office/drawing/2010/main" w="9525">
+                <a14:hiddenLine xmlns:a14="http://schemas.microsoft.com/office/drawing/2010/main" xmlns:p14="http://schemas.microsoft.com/office/powerpoint/2010/main" xmlns:a16="http://schemas.microsoft.com/office/drawing/2014/main" xmlns="" w="9525">
                   <a:solidFill>
                     <a:srgbClr val="000000"/>
                   </a:solidFill>
@@ -15250,7 +15256,7 @@
             </a:ln>
             <a:extLst>
               <a:ext uri="{91240B29-F687-4f45-9708-019B960494DF}">
-                <a14:hiddenLine xmlns="" xmlns:a16="http://schemas.microsoft.com/office/drawing/2014/main" xmlns:p14="http://schemas.microsoft.com/office/powerpoint/2010/main" xmlns:a14="http://schemas.microsoft.com/office/drawing/2010/main" w="9525">
+                <a14:hiddenLine xmlns:a14="http://schemas.microsoft.com/office/drawing/2010/main" xmlns:p14="http://schemas.microsoft.com/office/powerpoint/2010/main" xmlns:a16="http://schemas.microsoft.com/office/drawing/2014/main" xmlns="" w="9525">
                   <a:solidFill>
                     <a:srgbClr val="000000"/>
                   </a:solidFill>
@@ -15507,7 +15513,7 @@
             <a:noFill/>
             <a:extLst>
               <a:ext uri="{909E8E84-426E-40dd-AFC4-6F175D3DCCD1}">
-                <a14:hiddenFill xmlns="" xmlns:a16="http://schemas.microsoft.com/office/drawing/2014/main" xmlns:a14="http://schemas.microsoft.com/office/drawing/2010/main" xmlns:p14="http://schemas.microsoft.com/office/powerpoint/2010/main">
+                <a14:hiddenFill xmlns:p14="http://schemas.microsoft.com/office/powerpoint/2010/main" xmlns:a14="http://schemas.microsoft.com/office/drawing/2010/main" xmlns:a16="http://schemas.microsoft.com/office/drawing/2014/main" xmlns="">
                   <a:solidFill>
                     <a:srgbClr val="FFFFFF"/>
                   </a:solidFill>
@@ -15672,7 +15678,7 @@
             </a:ln>
             <a:extLst>
               <a:ext uri="{91240B29-F687-4f45-9708-019B960494DF}">
-                <a14:hiddenLine xmlns="" xmlns:a16="http://schemas.microsoft.com/office/drawing/2014/main" xmlns:a14="http://schemas.microsoft.com/office/drawing/2010/main" xmlns:p14="http://schemas.microsoft.com/office/powerpoint/2010/main" w="9525">
+                <a14:hiddenLine xmlns:p14="http://schemas.microsoft.com/office/powerpoint/2010/main" xmlns:a14="http://schemas.microsoft.com/office/drawing/2010/main" xmlns:a16="http://schemas.microsoft.com/office/drawing/2014/main" xmlns="" w="9525">
                   <a:solidFill>
                     <a:srgbClr val="000000"/>
                   </a:solidFill>
@@ -15777,7 +15783,7 @@
             </a:ln>
             <a:extLst>
               <a:ext uri="{91240B29-F687-4f45-9708-019B960494DF}">
-                <a14:hiddenLine xmlns="" xmlns:a16="http://schemas.microsoft.com/office/drawing/2014/main" xmlns:a14="http://schemas.microsoft.com/office/drawing/2010/main" xmlns:p14="http://schemas.microsoft.com/office/powerpoint/2010/main" w="9525">
+                <a14:hiddenLine xmlns:p14="http://schemas.microsoft.com/office/powerpoint/2010/main" xmlns:a14="http://schemas.microsoft.com/office/drawing/2010/main" xmlns:a16="http://schemas.microsoft.com/office/drawing/2014/main" xmlns="" w="9525">
                   <a:solidFill>
                     <a:srgbClr val="000000"/>
                   </a:solidFill>
@@ -15882,7 +15888,7 @@
             </a:ln>
             <a:extLst>
               <a:ext uri="{91240B29-F687-4f45-9708-019B960494DF}">
-                <a14:hiddenLine xmlns="" xmlns:a16="http://schemas.microsoft.com/office/drawing/2014/main" xmlns:a14="http://schemas.microsoft.com/office/drawing/2010/main" xmlns:p14="http://schemas.microsoft.com/office/powerpoint/2010/main" w="9525">
+                <a14:hiddenLine xmlns:p14="http://schemas.microsoft.com/office/powerpoint/2010/main" xmlns:a14="http://schemas.microsoft.com/office/drawing/2010/main" xmlns:a16="http://schemas.microsoft.com/office/drawing/2014/main" xmlns="" w="9525">
                   <a:solidFill>
                     <a:srgbClr val="000000"/>
                   </a:solidFill>
@@ -15931,7 +15937,7 @@
             </a:ln>
             <a:extLst>
               <a:ext uri="{91240B29-F687-4f45-9708-019B960494DF}">
-                <a14:hiddenLine xmlns="" xmlns:a16="http://schemas.microsoft.com/office/drawing/2014/main" xmlns:a14="http://schemas.microsoft.com/office/drawing/2010/main" xmlns:p14="http://schemas.microsoft.com/office/powerpoint/2010/main" w="9525">
+                <a14:hiddenLine xmlns:p14="http://schemas.microsoft.com/office/powerpoint/2010/main" xmlns:a14="http://schemas.microsoft.com/office/drawing/2010/main" xmlns:a16="http://schemas.microsoft.com/office/drawing/2014/main" xmlns="" w="9525">
                   <a:solidFill>
                     <a:srgbClr val="000000"/>
                   </a:solidFill>
@@ -16036,7 +16042,7 @@
             </a:ln>
             <a:extLst>
               <a:ext uri="{91240B29-F687-4f45-9708-019B960494DF}">
-                <a14:hiddenLine xmlns="" xmlns:a16="http://schemas.microsoft.com/office/drawing/2014/main" xmlns:a14="http://schemas.microsoft.com/office/drawing/2010/main" xmlns:p14="http://schemas.microsoft.com/office/powerpoint/2010/main" w="9525">
+                <a14:hiddenLine xmlns:p14="http://schemas.microsoft.com/office/powerpoint/2010/main" xmlns:a14="http://schemas.microsoft.com/office/drawing/2010/main" xmlns:a16="http://schemas.microsoft.com/office/drawing/2014/main" xmlns="" w="9525">
                   <a:solidFill>
                     <a:srgbClr val="000000"/>
                   </a:solidFill>
@@ -16113,7 +16119,7 @@
             </a:ln>
             <a:extLst>
               <a:ext uri="{91240B29-F687-4f45-9708-019B960494DF}">
-                <a14:hiddenLine xmlns="" xmlns:a16="http://schemas.microsoft.com/office/drawing/2014/main" xmlns:a14="http://schemas.microsoft.com/office/drawing/2010/main" xmlns:p14="http://schemas.microsoft.com/office/powerpoint/2010/main" w="9525">
+                <a14:hiddenLine xmlns:p14="http://schemas.microsoft.com/office/powerpoint/2010/main" xmlns:a14="http://schemas.microsoft.com/office/drawing/2010/main" xmlns:a16="http://schemas.microsoft.com/office/drawing/2014/main" xmlns="" w="9525">
                   <a:solidFill>
                     <a:srgbClr val="000000"/>
                   </a:solidFill>
@@ -16190,7 +16196,7 @@
             </a:ln>
             <a:extLst>
               <a:ext uri="{91240B29-F687-4f45-9708-019B960494DF}">
-                <a14:hiddenLine xmlns="" xmlns:a16="http://schemas.microsoft.com/office/drawing/2014/main" xmlns:a14="http://schemas.microsoft.com/office/drawing/2010/main" xmlns:p14="http://schemas.microsoft.com/office/powerpoint/2010/main" w="9525">
+                <a14:hiddenLine xmlns:p14="http://schemas.microsoft.com/office/powerpoint/2010/main" xmlns:a14="http://schemas.microsoft.com/office/drawing/2010/main" xmlns:a16="http://schemas.microsoft.com/office/drawing/2014/main" xmlns="" w="9525">
                   <a:solidFill>
                     <a:srgbClr val="000000"/>
                   </a:solidFill>
@@ -16295,7 +16301,7 @@
             </a:ln>
             <a:extLst>
               <a:ext uri="{91240B29-F687-4f45-9708-019B960494DF}">
-                <a14:hiddenLine xmlns="" xmlns:a16="http://schemas.microsoft.com/office/drawing/2014/main" xmlns:a14="http://schemas.microsoft.com/office/drawing/2010/main" xmlns:p14="http://schemas.microsoft.com/office/powerpoint/2010/main" w="9525">
+                <a14:hiddenLine xmlns:p14="http://schemas.microsoft.com/office/powerpoint/2010/main" xmlns:a14="http://schemas.microsoft.com/office/drawing/2010/main" xmlns:a16="http://schemas.microsoft.com/office/drawing/2014/main" xmlns="" w="9525">
                   <a:solidFill>
                     <a:srgbClr val="000000"/>
                   </a:solidFill>
@@ -16372,7 +16378,7 @@
             </a:ln>
             <a:extLst>
               <a:ext uri="{91240B29-F687-4f45-9708-019B960494DF}">
-                <a14:hiddenLine xmlns="" xmlns:a16="http://schemas.microsoft.com/office/drawing/2014/main" xmlns:a14="http://schemas.microsoft.com/office/drawing/2010/main" xmlns:p14="http://schemas.microsoft.com/office/powerpoint/2010/main" w="9525">
+                <a14:hiddenLine xmlns:p14="http://schemas.microsoft.com/office/powerpoint/2010/main" xmlns:a14="http://schemas.microsoft.com/office/drawing/2010/main" xmlns:a16="http://schemas.microsoft.com/office/drawing/2014/main" xmlns="" w="9525">
                   <a:solidFill>
                     <a:srgbClr val="000000"/>
                   </a:solidFill>
@@ -16449,7 +16455,7 @@
             </a:ln>
             <a:extLst>
               <a:ext uri="{91240B29-F687-4f45-9708-019B960494DF}">
-                <a14:hiddenLine xmlns="" xmlns:a16="http://schemas.microsoft.com/office/drawing/2014/main" xmlns:a14="http://schemas.microsoft.com/office/drawing/2010/main" xmlns:p14="http://schemas.microsoft.com/office/powerpoint/2010/main" w="9525">
+                <a14:hiddenLine xmlns:p14="http://schemas.microsoft.com/office/powerpoint/2010/main" xmlns:a14="http://schemas.microsoft.com/office/drawing/2010/main" xmlns:a16="http://schemas.microsoft.com/office/drawing/2014/main" xmlns="" w="9525">
                   <a:solidFill>
                     <a:srgbClr val="000000"/>
                   </a:solidFill>
@@ -16554,7 +16560,7 @@
             </a:ln>
             <a:extLst>
               <a:ext uri="{91240B29-F687-4f45-9708-019B960494DF}">
-                <a14:hiddenLine xmlns="" xmlns:a16="http://schemas.microsoft.com/office/drawing/2014/main" xmlns:a14="http://schemas.microsoft.com/office/drawing/2010/main" xmlns:p14="http://schemas.microsoft.com/office/powerpoint/2010/main" w="9525">
+                <a14:hiddenLine xmlns:p14="http://schemas.microsoft.com/office/powerpoint/2010/main" xmlns:a14="http://schemas.microsoft.com/office/drawing/2010/main" xmlns:a16="http://schemas.microsoft.com/office/drawing/2014/main" xmlns="" w="9525">
                   <a:solidFill>
                     <a:srgbClr val="000000"/>
                   </a:solidFill>
@@ -16659,7 +16665,7 @@
             </a:ln>
             <a:extLst>
               <a:ext uri="{91240B29-F687-4f45-9708-019B960494DF}">
-                <a14:hiddenLine xmlns="" xmlns:a16="http://schemas.microsoft.com/office/drawing/2014/main" xmlns:a14="http://schemas.microsoft.com/office/drawing/2010/main" xmlns:p14="http://schemas.microsoft.com/office/powerpoint/2010/main" w="9525">
+                <a14:hiddenLine xmlns:p14="http://schemas.microsoft.com/office/powerpoint/2010/main" xmlns:a14="http://schemas.microsoft.com/office/drawing/2010/main" xmlns:a16="http://schemas.microsoft.com/office/drawing/2014/main" xmlns="" w="9525">
                   <a:solidFill>
                     <a:srgbClr val="000000"/>
                   </a:solidFill>
@@ -16736,7 +16742,7 @@
             </a:ln>
             <a:extLst>
               <a:ext uri="{91240B29-F687-4f45-9708-019B960494DF}">
-                <a14:hiddenLine xmlns="" xmlns:a16="http://schemas.microsoft.com/office/drawing/2014/main" xmlns:a14="http://schemas.microsoft.com/office/drawing/2010/main" xmlns:p14="http://schemas.microsoft.com/office/powerpoint/2010/main" w="9525">
+                <a14:hiddenLine xmlns:p14="http://schemas.microsoft.com/office/powerpoint/2010/main" xmlns:a14="http://schemas.microsoft.com/office/drawing/2010/main" xmlns:a16="http://schemas.microsoft.com/office/drawing/2014/main" xmlns="" w="9525">
                   <a:solidFill>
                     <a:srgbClr val="000000"/>
                   </a:solidFill>
@@ -16861,7 +16867,7 @@
             </a:ln>
             <a:extLst>
               <a:ext uri="{91240B29-F687-4f45-9708-019B960494DF}">
-                <a14:hiddenLine xmlns="" xmlns:a16="http://schemas.microsoft.com/office/drawing/2014/main" xmlns:a14="http://schemas.microsoft.com/office/drawing/2010/main" xmlns:p14="http://schemas.microsoft.com/office/powerpoint/2010/main" w="9525">
+                <a14:hiddenLine xmlns:p14="http://schemas.microsoft.com/office/powerpoint/2010/main" xmlns:a14="http://schemas.microsoft.com/office/drawing/2010/main" xmlns:a16="http://schemas.microsoft.com/office/drawing/2014/main" xmlns="" w="9525">
                   <a:solidFill>
                     <a:srgbClr val="000000"/>
                   </a:solidFill>
@@ -16938,7 +16944,7 @@
             </a:ln>
             <a:extLst>
               <a:ext uri="{91240B29-F687-4f45-9708-019B960494DF}">
-                <a14:hiddenLine xmlns="" xmlns:a16="http://schemas.microsoft.com/office/drawing/2014/main" xmlns:a14="http://schemas.microsoft.com/office/drawing/2010/main" xmlns:p14="http://schemas.microsoft.com/office/powerpoint/2010/main" w="9525">
+                <a14:hiddenLine xmlns:p14="http://schemas.microsoft.com/office/powerpoint/2010/main" xmlns:a14="http://schemas.microsoft.com/office/drawing/2010/main" xmlns:a16="http://schemas.microsoft.com/office/drawing/2014/main" xmlns="" w="9525">
                   <a:solidFill>
                     <a:srgbClr val="000000"/>
                   </a:solidFill>
@@ -17043,7 +17049,7 @@
             </a:ln>
             <a:extLst>
               <a:ext uri="{91240B29-F687-4f45-9708-019B960494DF}">
-                <a14:hiddenLine xmlns="" xmlns:a16="http://schemas.microsoft.com/office/drawing/2014/main" xmlns:a14="http://schemas.microsoft.com/office/drawing/2010/main" xmlns:p14="http://schemas.microsoft.com/office/powerpoint/2010/main" w="9525">
+                <a14:hiddenLine xmlns:p14="http://schemas.microsoft.com/office/powerpoint/2010/main" xmlns:a14="http://schemas.microsoft.com/office/drawing/2010/main" xmlns:a16="http://schemas.microsoft.com/office/drawing/2014/main" xmlns="" w="9525">
                   <a:solidFill>
                     <a:srgbClr val="000000"/>
                   </a:solidFill>
@@ -17148,7 +17154,7 @@
             </a:ln>
             <a:extLst>
               <a:ext uri="{91240B29-F687-4f45-9708-019B960494DF}">
-                <a14:hiddenLine xmlns="" xmlns:a16="http://schemas.microsoft.com/office/drawing/2014/main" xmlns:a14="http://schemas.microsoft.com/office/drawing/2010/main" xmlns:p14="http://schemas.microsoft.com/office/powerpoint/2010/main" w="9525">
+                <a14:hiddenLine xmlns:p14="http://schemas.microsoft.com/office/powerpoint/2010/main" xmlns:a14="http://schemas.microsoft.com/office/drawing/2010/main" xmlns:a16="http://schemas.microsoft.com/office/drawing/2014/main" xmlns="" w="9525">
                   <a:solidFill>
                     <a:srgbClr val="000000"/>
                   </a:solidFill>
@@ -17225,7 +17231,7 @@
             </a:ln>
             <a:extLst>
               <a:ext uri="{91240B29-F687-4f45-9708-019B960494DF}">
-                <a14:hiddenLine xmlns="" xmlns:a16="http://schemas.microsoft.com/office/drawing/2014/main" xmlns:a14="http://schemas.microsoft.com/office/drawing/2010/main" xmlns:p14="http://schemas.microsoft.com/office/powerpoint/2010/main" w="9525">
+                <a14:hiddenLine xmlns:p14="http://schemas.microsoft.com/office/powerpoint/2010/main" xmlns:a14="http://schemas.microsoft.com/office/drawing/2010/main" xmlns:a16="http://schemas.microsoft.com/office/drawing/2014/main" xmlns="" w="9525">
                   <a:solidFill>
                     <a:srgbClr val="000000"/>
                   </a:solidFill>
@@ -17330,7 +17336,7 @@
             </a:ln>
             <a:extLst>
               <a:ext uri="{91240B29-F687-4f45-9708-019B960494DF}">
-                <a14:hiddenLine xmlns="" xmlns:a16="http://schemas.microsoft.com/office/drawing/2014/main" xmlns:a14="http://schemas.microsoft.com/office/drawing/2010/main" xmlns:p14="http://schemas.microsoft.com/office/powerpoint/2010/main" w="9525">
+                <a14:hiddenLine xmlns:p14="http://schemas.microsoft.com/office/powerpoint/2010/main" xmlns:a14="http://schemas.microsoft.com/office/drawing/2010/main" xmlns:a16="http://schemas.microsoft.com/office/drawing/2014/main" xmlns="" w="9525">
                   <a:solidFill>
                     <a:srgbClr val="000000"/>
                   </a:solidFill>
@@ -17435,7 +17441,7 @@
             </a:ln>
             <a:extLst>
               <a:ext uri="{91240B29-F687-4f45-9708-019B960494DF}">
-                <a14:hiddenLine xmlns="" xmlns:a16="http://schemas.microsoft.com/office/drawing/2014/main" xmlns:a14="http://schemas.microsoft.com/office/drawing/2010/main" xmlns:p14="http://schemas.microsoft.com/office/powerpoint/2010/main" w="9525">
+                <a14:hiddenLine xmlns:p14="http://schemas.microsoft.com/office/powerpoint/2010/main" xmlns:a14="http://schemas.microsoft.com/office/drawing/2010/main" xmlns:a16="http://schemas.microsoft.com/office/drawing/2014/main" xmlns="" w="9525">
                   <a:solidFill>
                     <a:srgbClr val="000000"/>
                   </a:solidFill>
@@ -17506,7 +17512,7 @@
             </a:ln>
             <a:extLst>
               <a:ext uri="{91240B29-F687-4f45-9708-019B960494DF}">
-                <a14:hiddenLine xmlns="" xmlns:a16="http://schemas.microsoft.com/office/drawing/2014/main" xmlns:a14="http://schemas.microsoft.com/office/drawing/2010/main" xmlns:p14="http://schemas.microsoft.com/office/powerpoint/2010/main" w="9525">
+                <a14:hiddenLine xmlns:p14="http://schemas.microsoft.com/office/powerpoint/2010/main" xmlns:a14="http://schemas.microsoft.com/office/drawing/2010/main" xmlns:a16="http://schemas.microsoft.com/office/drawing/2014/main" xmlns="" w="9525">
                   <a:solidFill>
                     <a:srgbClr val="000000"/>
                   </a:solidFill>
@@ -17611,7 +17617,7 @@
             </a:ln>
             <a:extLst>
               <a:ext uri="{91240B29-F687-4f45-9708-019B960494DF}">
-                <a14:hiddenLine xmlns="" xmlns:a16="http://schemas.microsoft.com/office/drawing/2014/main" xmlns:a14="http://schemas.microsoft.com/office/drawing/2010/main" xmlns:p14="http://schemas.microsoft.com/office/powerpoint/2010/main" w="9525">
+                <a14:hiddenLine xmlns:p14="http://schemas.microsoft.com/office/powerpoint/2010/main" xmlns:a14="http://schemas.microsoft.com/office/drawing/2010/main" xmlns:a16="http://schemas.microsoft.com/office/drawing/2014/main" xmlns="" w="9525">
                   <a:solidFill>
                     <a:srgbClr val="000000"/>
                   </a:solidFill>
@@ -17682,7 +17688,7 @@
             </a:ln>
             <a:extLst>
               <a:ext uri="{91240B29-F687-4f45-9708-019B960494DF}">
-                <a14:hiddenLine xmlns="" xmlns:a16="http://schemas.microsoft.com/office/drawing/2014/main" xmlns:a14="http://schemas.microsoft.com/office/drawing/2010/main" xmlns:p14="http://schemas.microsoft.com/office/powerpoint/2010/main" w="9525">
+                <a14:hiddenLine xmlns:p14="http://schemas.microsoft.com/office/powerpoint/2010/main" xmlns:a14="http://schemas.microsoft.com/office/drawing/2010/main" xmlns:a16="http://schemas.microsoft.com/office/drawing/2014/main" xmlns="" w="9525">
                   <a:solidFill>
                     <a:srgbClr val="000000"/>
                   </a:solidFill>
@@ -17787,7 +17793,7 @@
             </a:ln>
             <a:extLst>
               <a:ext uri="{91240B29-F687-4f45-9708-019B960494DF}">
-                <a14:hiddenLine xmlns="" xmlns:a16="http://schemas.microsoft.com/office/drawing/2014/main" xmlns:a14="http://schemas.microsoft.com/office/drawing/2010/main" xmlns:p14="http://schemas.microsoft.com/office/powerpoint/2010/main" w="9525">
+                <a14:hiddenLine xmlns:p14="http://schemas.microsoft.com/office/powerpoint/2010/main" xmlns:a14="http://schemas.microsoft.com/office/drawing/2010/main" xmlns:a16="http://schemas.microsoft.com/office/drawing/2014/main" xmlns="" w="9525">
                   <a:solidFill>
                     <a:srgbClr val="000000"/>
                   </a:solidFill>
@@ -17870,7 +17876,7 @@
             </a:ln>
             <a:extLst>
               <a:ext uri="{91240B29-F687-4f45-9708-019B960494DF}">
-                <a14:hiddenLine xmlns="" xmlns:a16="http://schemas.microsoft.com/office/drawing/2014/main" xmlns:a14="http://schemas.microsoft.com/office/drawing/2010/main" xmlns:p14="http://schemas.microsoft.com/office/powerpoint/2010/main" w="9525">
+                <a14:hiddenLine xmlns:p14="http://schemas.microsoft.com/office/powerpoint/2010/main" xmlns:a14="http://schemas.microsoft.com/office/drawing/2010/main" xmlns:a16="http://schemas.microsoft.com/office/drawing/2014/main" xmlns="" w="9525">
                   <a:solidFill>
                     <a:srgbClr val="000000"/>
                   </a:solidFill>
@@ -17975,7 +17981,7 @@
             </a:ln>
             <a:extLst>
               <a:ext uri="{91240B29-F687-4f45-9708-019B960494DF}">
-                <a14:hiddenLine xmlns="" xmlns:a16="http://schemas.microsoft.com/office/drawing/2014/main" xmlns:a14="http://schemas.microsoft.com/office/drawing/2010/main" xmlns:p14="http://schemas.microsoft.com/office/powerpoint/2010/main" w="9525">
+                <a14:hiddenLine xmlns:p14="http://schemas.microsoft.com/office/powerpoint/2010/main" xmlns:a14="http://schemas.microsoft.com/office/drawing/2010/main" xmlns:a16="http://schemas.microsoft.com/office/drawing/2014/main" xmlns="" w="9525">
                   <a:solidFill>
                     <a:srgbClr val="000000"/>
                   </a:solidFill>
@@ -18058,7 +18064,7 @@
             </a:ln>
             <a:extLst>
               <a:ext uri="{91240B29-F687-4f45-9708-019B960494DF}">
-                <a14:hiddenLine xmlns="" xmlns:a16="http://schemas.microsoft.com/office/drawing/2014/main" xmlns:a14="http://schemas.microsoft.com/office/drawing/2010/main" xmlns:p14="http://schemas.microsoft.com/office/powerpoint/2010/main" w="9525">
+                <a14:hiddenLine xmlns:p14="http://schemas.microsoft.com/office/powerpoint/2010/main" xmlns:a14="http://schemas.microsoft.com/office/drawing/2010/main" xmlns:a16="http://schemas.microsoft.com/office/drawing/2014/main" xmlns="" w="9525">
                   <a:solidFill>
                     <a:srgbClr val="000000"/>
                   </a:solidFill>
@@ -18163,7 +18169,7 @@
             </a:ln>
             <a:extLst>
               <a:ext uri="{91240B29-F687-4f45-9708-019B960494DF}">
-                <a14:hiddenLine xmlns="" xmlns:a16="http://schemas.microsoft.com/office/drawing/2014/main" xmlns:a14="http://schemas.microsoft.com/office/drawing/2010/main" xmlns:p14="http://schemas.microsoft.com/office/powerpoint/2010/main" w="9525">
+                <a14:hiddenLine xmlns:p14="http://schemas.microsoft.com/office/powerpoint/2010/main" xmlns:a14="http://schemas.microsoft.com/office/drawing/2010/main" xmlns:a16="http://schemas.microsoft.com/office/drawing/2014/main" xmlns="" w="9525">
                   <a:solidFill>
                     <a:srgbClr val="000000"/>
                   </a:solidFill>
@@ -18212,7 +18218,7 @@
             </a:ln>
             <a:extLst>
               <a:ext uri="{91240B29-F687-4f45-9708-019B960494DF}">
-                <a14:hiddenLine xmlns="" xmlns:a16="http://schemas.microsoft.com/office/drawing/2014/main" xmlns:a14="http://schemas.microsoft.com/office/drawing/2010/main" xmlns:p14="http://schemas.microsoft.com/office/powerpoint/2010/main" w="9525">
+                <a14:hiddenLine xmlns:p14="http://schemas.microsoft.com/office/powerpoint/2010/main" xmlns:a14="http://schemas.microsoft.com/office/drawing/2010/main" xmlns:a16="http://schemas.microsoft.com/office/drawing/2014/main" xmlns="" w="9525">
                   <a:solidFill>
                     <a:srgbClr val="000000"/>
                   </a:solidFill>
@@ -18317,7 +18323,7 @@
             </a:ln>
             <a:extLst>
               <a:ext uri="{91240B29-F687-4f45-9708-019B960494DF}">
-                <a14:hiddenLine xmlns="" xmlns:a16="http://schemas.microsoft.com/office/drawing/2014/main" xmlns:a14="http://schemas.microsoft.com/office/drawing/2010/main" xmlns:p14="http://schemas.microsoft.com/office/powerpoint/2010/main" w="9525">
+                <a14:hiddenLine xmlns:p14="http://schemas.microsoft.com/office/powerpoint/2010/main" xmlns:a14="http://schemas.microsoft.com/office/drawing/2010/main" xmlns:a16="http://schemas.microsoft.com/office/drawing/2014/main" xmlns="" w="9525">
                   <a:solidFill>
                     <a:srgbClr val="000000"/>
                   </a:solidFill>
@@ -18394,7 +18400,7 @@
             </a:ln>
             <a:extLst>
               <a:ext uri="{91240B29-F687-4f45-9708-019B960494DF}">
-                <a14:hiddenLine xmlns="" xmlns:a16="http://schemas.microsoft.com/office/drawing/2014/main" xmlns:a14="http://schemas.microsoft.com/office/drawing/2010/main" xmlns:p14="http://schemas.microsoft.com/office/powerpoint/2010/main" w="9525">
+                <a14:hiddenLine xmlns:p14="http://schemas.microsoft.com/office/powerpoint/2010/main" xmlns:a14="http://schemas.microsoft.com/office/drawing/2010/main" xmlns:a16="http://schemas.microsoft.com/office/drawing/2014/main" xmlns="" w="9525">
                   <a:solidFill>
                     <a:srgbClr val="000000"/>
                   </a:solidFill>
@@ -18471,7 +18477,7 @@
             </a:ln>
             <a:extLst>
               <a:ext uri="{91240B29-F687-4f45-9708-019B960494DF}">
-                <a14:hiddenLine xmlns="" xmlns:a16="http://schemas.microsoft.com/office/drawing/2014/main" xmlns:a14="http://schemas.microsoft.com/office/drawing/2010/main" xmlns:p14="http://schemas.microsoft.com/office/powerpoint/2010/main" w="9525">
+                <a14:hiddenLine xmlns:p14="http://schemas.microsoft.com/office/powerpoint/2010/main" xmlns:a14="http://schemas.microsoft.com/office/drawing/2010/main" xmlns:a16="http://schemas.microsoft.com/office/drawing/2014/main" xmlns="" w="9525">
                   <a:solidFill>
                     <a:srgbClr val="000000"/>
                   </a:solidFill>
@@ -18576,7 +18582,7 @@
             </a:ln>
             <a:extLst>
               <a:ext uri="{91240B29-F687-4f45-9708-019B960494DF}">
-                <a14:hiddenLine xmlns="" xmlns:a16="http://schemas.microsoft.com/office/drawing/2014/main" xmlns:a14="http://schemas.microsoft.com/office/drawing/2010/main" xmlns:p14="http://schemas.microsoft.com/office/powerpoint/2010/main" w="9525">
+                <a14:hiddenLine xmlns:p14="http://schemas.microsoft.com/office/powerpoint/2010/main" xmlns:a14="http://schemas.microsoft.com/office/drawing/2010/main" xmlns:a16="http://schemas.microsoft.com/office/drawing/2014/main" xmlns="" w="9525">
                   <a:solidFill>
                     <a:srgbClr val="000000"/>
                   </a:solidFill>
@@ -18659,7 +18665,7 @@
             </a:ln>
             <a:extLst>
               <a:ext uri="{91240B29-F687-4f45-9708-019B960494DF}">
-                <a14:hiddenLine xmlns="" xmlns:a16="http://schemas.microsoft.com/office/drawing/2014/main" xmlns:a14="http://schemas.microsoft.com/office/drawing/2010/main" xmlns:p14="http://schemas.microsoft.com/office/powerpoint/2010/main" w="9525">
+                <a14:hiddenLine xmlns:p14="http://schemas.microsoft.com/office/powerpoint/2010/main" xmlns:a14="http://schemas.microsoft.com/office/drawing/2010/main" xmlns:a16="http://schemas.microsoft.com/office/drawing/2014/main" xmlns="" w="9525">
                   <a:solidFill>
                     <a:srgbClr val="000000"/>
                   </a:solidFill>
@@ -18736,7 +18742,7 @@
             </a:ln>
             <a:extLst>
               <a:ext uri="{91240B29-F687-4f45-9708-019B960494DF}">
-                <a14:hiddenLine xmlns="" xmlns:a16="http://schemas.microsoft.com/office/drawing/2014/main" xmlns:a14="http://schemas.microsoft.com/office/drawing/2010/main" xmlns:p14="http://schemas.microsoft.com/office/powerpoint/2010/main" w="9525">
+                <a14:hiddenLine xmlns:p14="http://schemas.microsoft.com/office/powerpoint/2010/main" xmlns:a14="http://schemas.microsoft.com/office/drawing/2010/main" xmlns:a16="http://schemas.microsoft.com/office/drawing/2014/main" xmlns="" w="9525">
                   <a:solidFill>
                     <a:srgbClr val="000000"/>
                   </a:solidFill>
@@ -18841,7 +18847,7 @@
             </a:ln>
             <a:extLst>
               <a:ext uri="{91240B29-F687-4f45-9708-019B960494DF}">
-                <a14:hiddenLine xmlns="" xmlns:a16="http://schemas.microsoft.com/office/drawing/2014/main" xmlns:a14="http://schemas.microsoft.com/office/drawing/2010/main" xmlns:p14="http://schemas.microsoft.com/office/powerpoint/2010/main" w="9525">
+                <a14:hiddenLine xmlns:p14="http://schemas.microsoft.com/office/powerpoint/2010/main" xmlns:a14="http://schemas.microsoft.com/office/drawing/2010/main" xmlns:a16="http://schemas.microsoft.com/office/drawing/2014/main" xmlns="" w="9525">
                   <a:solidFill>
                     <a:srgbClr val="000000"/>
                   </a:solidFill>
@@ -18918,7 +18924,7 @@
             </a:ln>
             <a:extLst>
               <a:ext uri="{91240B29-F687-4f45-9708-019B960494DF}">
-                <a14:hiddenLine xmlns="" xmlns:a16="http://schemas.microsoft.com/office/drawing/2014/main" xmlns:a14="http://schemas.microsoft.com/office/drawing/2010/main" xmlns:p14="http://schemas.microsoft.com/office/powerpoint/2010/main" w="9525">
+                <a14:hiddenLine xmlns:p14="http://schemas.microsoft.com/office/powerpoint/2010/main" xmlns:a14="http://schemas.microsoft.com/office/drawing/2010/main" xmlns:a16="http://schemas.microsoft.com/office/drawing/2014/main" xmlns="" w="9525">
                   <a:solidFill>
                     <a:srgbClr val="000000"/>
                   </a:solidFill>
@@ -19023,7 +19029,7 @@
             </a:ln>
             <a:extLst>
               <a:ext uri="{91240B29-F687-4f45-9708-019B960494DF}">
-                <a14:hiddenLine xmlns="" xmlns:a16="http://schemas.microsoft.com/office/drawing/2014/main" xmlns:a14="http://schemas.microsoft.com/office/drawing/2010/main" xmlns:p14="http://schemas.microsoft.com/office/powerpoint/2010/main" w="9525">
+                <a14:hiddenLine xmlns:p14="http://schemas.microsoft.com/office/powerpoint/2010/main" xmlns:a14="http://schemas.microsoft.com/office/drawing/2010/main" xmlns:a16="http://schemas.microsoft.com/office/drawing/2014/main" xmlns="" w="9525">
                   <a:solidFill>
                     <a:srgbClr val="000000"/>
                   </a:solidFill>
@@ -19100,7 +19106,7 @@
             </a:ln>
             <a:extLst>
               <a:ext uri="{91240B29-F687-4f45-9708-019B960494DF}">
-                <a14:hiddenLine xmlns="" xmlns:a16="http://schemas.microsoft.com/office/drawing/2014/main" xmlns:a14="http://schemas.microsoft.com/office/drawing/2010/main" xmlns:p14="http://schemas.microsoft.com/office/powerpoint/2010/main" w="9525">
+                <a14:hiddenLine xmlns:p14="http://schemas.microsoft.com/office/powerpoint/2010/main" xmlns:a14="http://schemas.microsoft.com/office/drawing/2010/main" xmlns:a16="http://schemas.microsoft.com/office/drawing/2014/main" xmlns="" w="9525">
                   <a:solidFill>
                     <a:srgbClr val="000000"/>
                   </a:solidFill>
@@ -19205,7 +19211,7 @@
             </a:ln>
             <a:extLst>
               <a:ext uri="{91240B29-F687-4f45-9708-019B960494DF}">
-                <a14:hiddenLine xmlns="" xmlns:a16="http://schemas.microsoft.com/office/drawing/2014/main" xmlns:a14="http://schemas.microsoft.com/office/drawing/2010/main" xmlns:p14="http://schemas.microsoft.com/office/powerpoint/2010/main" w="9525">
+                <a14:hiddenLine xmlns:p14="http://schemas.microsoft.com/office/powerpoint/2010/main" xmlns:a14="http://schemas.microsoft.com/office/drawing/2010/main" xmlns:a16="http://schemas.microsoft.com/office/drawing/2014/main" xmlns="" w="9525">
                   <a:solidFill>
                     <a:srgbClr val="000000"/>
                   </a:solidFill>
@@ -19254,7 +19260,7 @@
             </a:ln>
             <a:extLst>
               <a:ext uri="{91240B29-F687-4f45-9708-019B960494DF}">
-                <a14:hiddenLine xmlns="" xmlns:a16="http://schemas.microsoft.com/office/drawing/2014/main" xmlns:a14="http://schemas.microsoft.com/office/drawing/2010/main" xmlns:p14="http://schemas.microsoft.com/office/powerpoint/2010/main" w="9525">
+                <a14:hiddenLine xmlns:p14="http://schemas.microsoft.com/office/powerpoint/2010/main" xmlns:a14="http://schemas.microsoft.com/office/drawing/2010/main" xmlns:a16="http://schemas.microsoft.com/office/drawing/2014/main" xmlns="" w="9525">
                   <a:solidFill>
                     <a:srgbClr val="000000"/>
                   </a:solidFill>
@@ -19334,7 +19340,7 @@
             </a:ln>
             <a:extLst>
               <a:ext uri="{91240B29-F687-4f45-9708-019B960494DF}">
-                <a14:hiddenLine xmlns="" xmlns:a16="http://schemas.microsoft.com/office/drawing/2014/main" xmlns:a14="http://schemas.microsoft.com/office/drawing/2010/main" xmlns:p14="http://schemas.microsoft.com/office/powerpoint/2010/main" w="9525">
+                <a14:hiddenLine xmlns:p14="http://schemas.microsoft.com/office/powerpoint/2010/main" xmlns:a14="http://schemas.microsoft.com/office/drawing/2010/main" xmlns:a16="http://schemas.microsoft.com/office/drawing/2014/main" xmlns="" w="9525">
                   <a:solidFill>
                     <a:srgbClr val="000000"/>
                   </a:solidFill>
@@ -19439,7 +19445,7 @@
             </a:ln>
             <a:extLst>
               <a:ext uri="{91240B29-F687-4f45-9708-019B960494DF}">
-                <a14:hiddenLine xmlns="" xmlns:a16="http://schemas.microsoft.com/office/drawing/2014/main" xmlns:a14="http://schemas.microsoft.com/office/drawing/2010/main" xmlns:p14="http://schemas.microsoft.com/office/powerpoint/2010/main" w="9525">
+                <a14:hiddenLine xmlns:p14="http://schemas.microsoft.com/office/powerpoint/2010/main" xmlns:a14="http://schemas.microsoft.com/office/drawing/2010/main" xmlns:a16="http://schemas.microsoft.com/office/drawing/2014/main" xmlns="" w="9525">
                   <a:solidFill>
                     <a:srgbClr val="000000"/>
                   </a:solidFill>
@@ -19516,7 +19522,7 @@
             </a:ln>
             <a:extLst>
               <a:ext uri="{91240B29-F687-4f45-9708-019B960494DF}">
-                <a14:hiddenLine xmlns="" xmlns:a16="http://schemas.microsoft.com/office/drawing/2014/main" xmlns:a14="http://schemas.microsoft.com/office/drawing/2010/main" xmlns:p14="http://schemas.microsoft.com/office/powerpoint/2010/main" w="9525">
+                <a14:hiddenLine xmlns:p14="http://schemas.microsoft.com/office/powerpoint/2010/main" xmlns:a14="http://schemas.microsoft.com/office/drawing/2010/main" xmlns:a16="http://schemas.microsoft.com/office/drawing/2014/main" xmlns="" w="9525">
                   <a:solidFill>
                     <a:srgbClr val="000000"/>
                   </a:solidFill>
@@ -19621,7 +19627,7 @@
             </a:ln>
             <a:extLst>
               <a:ext uri="{91240B29-F687-4f45-9708-019B960494DF}">
-                <a14:hiddenLine xmlns="" xmlns:a16="http://schemas.microsoft.com/office/drawing/2014/main" xmlns:a14="http://schemas.microsoft.com/office/drawing/2010/main" xmlns:p14="http://schemas.microsoft.com/office/powerpoint/2010/main" w="9525">
+                <a14:hiddenLine xmlns:p14="http://schemas.microsoft.com/office/powerpoint/2010/main" xmlns:a14="http://schemas.microsoft.com/office/drawing/2010/main" xmlns:a16="http://schemas.microsoft.com/office/drawing/2014/main" xmlns="" w="9525">
                   <a:solidFill>
                     <a:srgbClr val="000000"/>
                   </a:solidFill>
@@ -19726,7 +19732,7 @@
             </a:ln>
             <a:extLst>
               <a:ext uri="{91240B29-F687-4f45-9708-019B960494DF}">
-                <a14:hiddenLine xmlns="" xmlns:a16="http://schemas.microsoft.com/office/drawing/2014/main" xmlns:a14="http://schemas.microsoft.com/office/drawing/2010/main" xmlns:p14="http://schemas.microsoft.com/office/powerpoint/2010/main" w="9525">
+                <a14:hiddenLine xmlns:p14="http://schemas.microsoft.com/office/powerpoint/2010/main" xmlns:a14="http://schemas.microsoft.com/office/drawing/2010/main" xmlns:a16="http://schemas.microsoft.com/office/drawing/2014/main" xmlns="" w="9525">
                   <a:solidFill>
                     <a:srgbClr val="000000"/>
                   </a:solidFill>
@@ -19806,7 +19812,7 @@
             </a:ln>
             <a:extLst>
               <a:ext uri="{91240B29-F687-4f45-9708-019B960494DF}">
-                <a14:hiddenLine xmlns="" xmlns:a16="http://schemas.microsoft.com/office/drawing/2014/main" xmlns:a14="http://schemas.microsoft.com/office/drawing/2010/main" xmlns:p14="http://schemas.microsoft.com/office/powerpoint/2010/main" w="9525">
+                <a14:hiddenLine xmlns:p14="http://schemas.microsoft.com/office/powerpoint/2010/main" xmlns:a14="http://schemas.microsoft.com/office/drawing/2010/main" xmlns:a16="http://schemas.microsoft.com/office/drawing/2014/main" xmlns="" w="9525">
                   <a:solidFill>
                     <a:srgbClr val="000000"/>
                   </a:solidFill>
@@ -19883,7 +19889,7 @@
             </a:ln>
             <a:extLst>
               <a:ext uri="{91240B29-F687-4f45-9708-019B960494DF}">
-                <a14:hiddenLine xmlns="" xmlns:a16="http://schemas.microsoft.com/office/drawing/2014/main" xmlns:a14="http://schemas.microsoft.com/office/drawing/2010/main" xmlns:p14="http://schemas.microsoft.com/office/powerpoint/2010/main" w="9525">
+                <a14:hiddenLine xmlns:p14="http://schemas.microsoft.com/office/powerpoint/2010/main" xmlns:a14="http://schemas.microsoft.com/office/drawing/2010/main" xmlns:a16="http://schemas.microsoft.com/office/drawing/2014/main" xmlns="" w="9525">
                   <a:solidFill>
                     <a:srgbClr val="000000"/>
                   </a:solidFill>
@@ -19988,7 +19994,7 @@
             </a:ln>
             <a:extLst>
               <a:ext uri="{91240B29-F687-4f45-9708-019B960494DF}">
-                <a14:hiddenLine xmlns="" xmlns:a16="http://schemas.microsoft.com/office/drawing/2014/main" xmlns:a14="http://schemas.microsoft.com/office/drawing/2010/main" xmlns:p14="http://schemas.microsoft.com/office/powerpoint/2010/main" w="9525">
+                <a14:hiddenLine xmlns:p14="http://schemas.microsoft.com/office/powerpoint/2010/main" xmlns:a14="http://schemas.microsoft.com/office/drawing/2010/main" xmlns:a16="http://schemas.microsoft.com/office/drawing/2014/main" xmlns="" w="9525">
                   <a:solidFill>
                     <a:srgbClr val="000000"/>
                   </a:solidFill>
@@ -20093,7 +20099,7 @@
             </a:ln>
             <a:extLst>
               <a:ext uri="{91240B29-F687-4f45-9708-019B960494DF}">
-                <a14:hiddenLine xmlns="" xmlns:a16="http://schemas.microsoft.com/office/drawing/2014/main" xmlns:a14="http://schemas.microsoft.com/office/drawing/2010/main" xmlns:p14="http://schemas.microsoft.com/office/powerpoint/2010/main" w="9525">
+                <a14:hiddenLine xmlns:p14="http://schemas.microsoft.com/office/powerpoint/2010/main" xmlns:a14="http://schemas.microsoft.com/office/drawing/2010/main" xmlns:a16="http://schemas.microsoft.com/office/drawing/2014/main" xmlns="" w="9525">
                   <a:solidFill>
                     <a:srgbClr val="000000"/>
                   </a:solidFill>
@@ -20170,7 +20176,7 @@
             </a:ln>
             <a:extLst>
               <a:ext uri="{91240B29-F687-4f45-9708-019B960494DF}">
-                <a14:hiddenLine xmlns="" xmlns:a16="http://schemas.microsoft.com/office/drawing/2014/main" xmlns:a14="http://schemas.microsoft.com/office/drawing/2010/main" xmlns:p14="http://schemas.microsoft.com/office/powerpoint/2010/main" w="9525">
+                <a14:hiddenLine xmlns:p14="http://schemas.microsoft.com/office/powerpoint/2010/main" xmlns:a14="http://schemas.microsoft.com/office/drawing/2010/main" xmlns:a16="http://schemas.microsoft.com/office/drawing/2014/main" xmlns="" w="9525">
                   <a:solidFill>
                     <a:srgbClr val="000000"/>
                   </a:solidFill>
@@ -20305,7 +20311,7 @@
             </a:ln>
             <a:extLst>
               <a:ext uri="{91240B29-F687-4f45-9708-019B960494DF}">
-                <a14:hiddenLine xmlns="" xmlns:a16="http://schemas.microsoft.com/office/drawing/2014/main" xmlns:a14="http://schemas.microsoft.com/office/drawing/2010/main" xmlns:p14="http://schemas.microsoft.com/office/powerpoint/2010/main" w="9525">
+                <a14:hiddenLine xmlns:p14="http://schemas.microsoft.com/office/powerpoint/2010/main" xmlns:a14="http://schemas.microsoft.com/office/drawing/2010/main" xmlns:a16="http://schemas.microsoft.com/office/drawing/2014/main" xmlns="" w="9525">
                   <a:solidFill>
                     <a:srgbClr val="000000"/>
                   </a:solidFill>
@@ -20388,7 +20394,7 @@
             </a:ln>
             <a:extLst>
               <a:ext uri="{91240B29-F687-4f45-9708-019B960494DF}">
-                <a14:hiddenLine xmlns="" xmlns:a16="http://schemas.microsoft.com/office/drawing/2014/main" xmlns:a14="http://schemas.microsoft.com/office/drawing/2010/main" xmlns:p14="http://schemas.microsoft.com/office/powerpoint/2010/main" w="9525">
+                <a14:hiddenLine xmlns:p14="http://schemas.microsoft.com/office/powerpoint/2010/main" xmlns:a14="http://schemas.microsoft.com/office/drawing/2010/main" xmlns:a16="http://schemas.microsoft.com/office/drawing/2014/main" xmlns="" w="9525">
                   <a:solidFill>
                     <a:srgbClr val="000000"/>
                   </a:solidFill>
@@ -20493,7 +20499,7 @@
             </a:ln>
             <a:extLst>
               <a:ext uri="{91240B29-F687-4f45-9708-019B960494DF}">
-                <a14:hiddenLine xmlns="" xmlns:a16="http://schemas.microsoft.com/office/drawing/2014/main" xmlns:a14="http://schemas.microsoft.com/office/drawing/2010/main" xmlns:p14="http://schemas.microsoft.com/office/powerpoint/2010/main" w="9525">
+                <a14:hiddenLine xmlns:p14="http://schemas.microsoft.com/office/powerpoint/2010/main" xmlns:a14="http://schemas.microsoft.com/office/drawing/2010/main" xmlns:a16="http://schemas.microsoft.com/office/drawing/2014/main" xmlns="" w="9525">
                   <a:solidFill>
                     <a:srgbClr val="000000"/>
                   </a:solidFill>
@@ -20676,7 +20682,22 @@
           <a:bodyPr/>
           <a:lstStyle/>
           <a:p>
-            <a:endParaRPr lang="bg-BG"/>
+            <a:r>
+              <a:rPr lang="en-US" dirty="0">
+                <a:hlinkClick r:id="rId2"/>
+              </a:rPr>
+              <a:t>https://github.com/NaskoVasilev/SDA_2022-2023/tree/main/04_Linked_list/Nasko</a:t>
+            </a:r>
+            <a:r>
+              <a:rPr lang="en-US" dirty="0"/>
+              <a:t> </a:t>
+            </a:r>
+          </a:p>
+          <a:p>
+            <a:r>
+              <a:rPr lang="bg-BG" b="1" dirty="0"/>
+              <a:t>Разгледайте внимателно всяка една от реализациите и си разпишете на хартия всяка една операция!</a:t>
+            </a:r>
           </a:p>
         </p:txBody>
       </p:sp>
@@ -20684,6 +20705,159 @@
     <p:extLst>
       <p:ext uri="{BB962C8B-B14F-4D97-AF65-F5344CB8AC3E}">
         <p14:creationId xmlns:p14="http://schemas.microsoft.com/office/powerpoint/2010/main" val="62187818"/>
+      </p:ext>
+    </p:extLst>
+  </p:cSld>
+  <p:clrMapOvr>
+    <a:masterClrMapping/>
+  </p:clrMapOvr>
+</p:sld>
+</file>
+
+<file path=ppt/slides/slide5.xml><?xml version="1.0" encoding="utf-8"?>
+<p:sld xmlns:a="http://schemas.openxmlformats.org/drawingml/2006/main" xmlns:r="http://schemas.openxmlformats.org/officeDocument/2006/relationships" xmlns:p="http://schemas.openxmlformats.org/presentationml/2006/main">
+  <p:cSld>
+    <p:spTree>
+      <p:nvGrpSpPr>
+        <p:cNvPr id="1" name=""/>
+        <p:cNvGrpSpPr/>
+        <p:nvPr/>
+      </p:nvGrpSpPr>
+      <p:grpSpPr>
+        <a:xfrm>
+          <a:off x="0" y="0"/>
+          <a:ext cx="0" cy="0"/>
+          <a:chOff x="0" y="0"/>
+          <a:chExt cx="0" cy="0"/>
+        </a:xfrm>
+      </p:grpSpPr>
+      <p:sp>
+        <p:nvSpPr>
+          <p:cNvPr id="2" name="Title 1">
+            <a:extLst>
+              <a:ext uri="{FF2B5EF4-FFF2-40B4-BE49-F238E27FC236}">
+                <a16:creationId xmlns:a16="http://schemas.microsoft.com/office/drawing/2014/main" id="{FB86BC48-1FE4-4AEA-2C9F-ED15C1B7A535}"/>
+              </a:ext>
+            </a:extLst>
+          </p:cNvPr>
+          <p:cNvSpPr>
+            <a:spLocks noGrp="1"/>
+          </p:cNvSpPr>
+          <p:nvPr>
+            <p:ph type="title"/>
+          </p:nvPr>
+        </p:nvSpPr>
+        <p:spPr/>
+        <p:txBody>
+          <a:bodyPr/>
+          <a:lstStyle/>
+          <a:p>
+            <a:r>
+              <a:rPr lang="en-US" dirty="0"/>
+              <a:t>Exercise</a:t>
+            </a:r>
+            <a:endParaRPr lang="bg-BG" dirty="0"/>
+          </a:p>
+        </p:txBody>
+      </p:sp>
+      <p:sp>
+        <p:nvSpPr>
+          <p:cNvPr id="3" name="Content Placeholder 2">
+            <a:extLst>
+              <a:ext uri="{FF2B5EF4-FFF2-40B4-BE49-F238E27FC236}">
+                <a16:creationId xmlns:a16="http://schemas.microsoft.com/office/drawing/2014/main" id="{C3D882FB-3DD4-1142-E174-A251E5E4FEDE}"/>
+              </a:ext>
+            </a:extLst>
+          </p:cNvPr>
+          <p:cNvSpPr>
+            <a:spLocks noGrp="1"/>
+          </p:cNvSpPr>
+          <p:nvPr>
+            <p:ph idx="1"/>
+          </p:nvPr>
+        </p:nvSpPr>
+        <p:spPr/>
+        <p:txBody>
+          <a:bodyPr>
+            <a:normAutofit fontScale="92500" lnSpcReduction="10000"/>
+          </a:bodyPr>
+          <a:lstStyle/>
+          <a:p>
+            <a:r>
+              <a:rPr lang="en-US" dirty="0">
+                <a:hlinkClick r:id="rId2"/>
+              </a:rPr>
+              <a:t>https://leetcode.com/problems/middle-of-the-linked-list/</a:t>
+            </a:r>
+            <a:endParaRPr lang="en-US" dirty="0"/>
+          </a:p>
+          <a:p>
+            <a:r>
+              <a:rPr lang="en-US" dirty="0">
+                <a:hlinkClick r:id="rId3"/>
+              </a:rPr>
+              <a:t>https://leetcode.com/problems/remove-duplicates-from-sorted-list/</a:t>
+            </a:r>
+            <a:endParaRPr lang="en-US" dirty="0"/>
+          </a:p>
+          <a:p>
+            <a:r>
+              <a:rPr lang="en-US" dirty="0">
+                <a:hlinkClick r:id="rId4"/>
+              </a:rPr>
+              <a:t>https://leetcode.com/problems/linked-list-cycle/</a:t>
+            </a:r>
+            <a:endParaRPr lang="en-US" dirty="0"/>
+          </a:p>
+          <a:p>
+            <a:r>
+              <a:rPr lang="en-US" dirty="0">
+                <a:hlinkClick r:id="rId5"/>
+              </a:rPr>
+              <a:t>https://leetcode.com/problems/intersection-of-two-linked-lists/</a:t>
+            </a:r>
+            <a:endParaRPr lang="en-US" dirty="0"/>
+          </a:p>
+          <a:p>
+            <a:r>
+              <a:rPr lang="en-US" dirty="0">
+                <a:hlinkClick r:id="rId6"/>
+              </a:rPr>
+              <a:t>https://leetcode.com/problems/reverse-linked-list/</a:t>
+            </a:r>
+            <a:endParaRPr lang="en-US" dirty="0"/>
+          </a:p>
+          <a:p>
+            <a:r>
+              <a:rPr lang="en-US" dirty="0">
+                <a:hlinkClick r:id="rId7"/>
+              </a:rPr>
+              <a:t>https://leetcode.com/problems/merge-two-sorted-lists/</a:t>
+            </a:r>
+            <a:r>
+              <a:rPr lang="en-US" dirty="0"/>
+              <a:t> </a:t>
+            </a:r>
+          </a:p>
+          <a:p>
+            <a:r>
+              <a:rPr lang="en-US" dirty="0">
+                <a:hlinkClick r:id="rId8"/>
+              </a:rPr>
+              <a:t>http://cslibrary.stanford.edu/105/LinkedListProblems.pdf</a:t>
+            </a:r>
+            <a:r>
+              <a:rPr lang="en-US" dirty="0"/>
+              <a:t> </a:t>
+            </a:r>
+            <a:endParaRPr lang="bg-BG" dirty="0"/>
+          </a:p>
+        </p:txBody>
+      </p:sp>
+    </p:spTree>
+    <p:extLst>
+      <p:ext uri="{BB962C8B-B14F-4D97-AF65-F5344CB8AC3E}">
+        <p14:creationId xmlns:p14="http://schemas.microsoft.com/office/powerpoint/2010/main" val="857380533"/>
       </p:ext>
     </p:extLst>
   </p:cSld>
